--- a/스마트문화앱 시스텀설계평가_경효선.pptx
+++ b/스마트문화앱 시스텀설계평가_경효선.pptx
@@ -11,8 +11,9 @@
     <p:sldId id="261" r:id="rId5"/>
     <p:sldId id="262" r:id="rId6"/>
     <p:sldId id="263" r:id="rId7"/>
-    <p:sldId id="264" r:id="rId8"/>
-    <p:sldId id="265" r:id="rId9"/>
+    <p:sldId id="266" r:id="rId8"/>
+    <p:sldId id="264" r:id="rId9"/>
+    <p:sldId id="265" r:id="rId10"/>
   </p:sldIdLst>
   <p:sldSz cx="12192000" cy="6858000"/>
   <p:notesSz cx="6858000" cy="9144000"/>
@@ -111,6 +112,11 @@
       </a:defRPr>
     </a:lvl9pPr>
   </p:defaultTextStyle>
+  <p:extLst>
+    <p:ext uri="{EFAFB233-063F-42B5-8137-9DF3F51BA10A}">
+      <p15:sldGuideLst xmlns:p15="http://schemas.microsoft.com/office/powerpoint/2012/main"/>
+    </p:ext>
+  </p:extLst>
 </p:presentation>
 </file>
 
@@ -5445,248 +5451,9 @@
           <a:chExt cx="0" cy="0"/>
         </a:xfrm>
       </p:grpSpPr>
-      <p:sp>
-        <p:nvSpPr>
-          <p:cNvPr id="9" name="모서리가 둥근 직사각형 2">
-            <a:extLst>
-              <a:ext uri="{FF2B5EF4-FFF2-40B4-BE49-F238E27FC236}">
-                <a16:creationId xmlns:a16="http://schemas.microsoft.com/office/drawing/2014/main" id="{3A211156-50E1-4650-8D04-816357CBA00A}"/>
-              </a:ext>
-            </a:extLst>
-          </p:cNvPr>
-          <p:cNvSpPr/>
-          <p:nvPr/>
-        </p:nvSpPr>
-        <p:spPr>
-          <a:xfrm>
-            <a:off x="1522287" y="2419025"/>
-            <a:ext cx="1038045" cy="521366"/>
-          </a:xfrm>
-          <a:prstGeom prst="roundRect">
-            <a:avLst>
-              <a:gd name="adj" fmla="val 47667"/>
-            </a:avLst>
-          </a:prstGeom>
-          <a:solidFill>
-            <a:schemeClr val="tx1"/>
-          </a:solidFill>
-          <a:ln w="19050">
-            <a:noFill/>
-          </a:ln>
-        </p:spPr>
-        <p:style>
-          <a:lnRef idx="2">
-            <a:schemeClr val="accent1">
-              <a:shade val="50000"/>
-            </a:schemeClr>
-          </a:lnRef>
-          <a:fillRef idx="1">
-            <a:schemeClr val="accent1"/>
-          </a:fillRef>
-          <a:effectRef idx="0">
-            <a:schemeClr val="accent1"/>
-          </a:effectRef>
-          <a:fontRef idx="minor">
-            <a:schemeClr val="lt1"/>
-          </a:fontRef>
-        </p:style>
-        <p:txBody>
-          <a:bodyPr rtlCol="0" anchor="ctr"/>
-          <a:lstStyle/>
-          <a:p>
-            <a:pPr algn="ctr"/>
-            <a:r>
-              <a:rPr lang="ko-KR" altLang="en-US" sz="1100" b="1" dirty="0">
-                <a:solidFill>
-                  <a:schemeClr val="bg1"/>
-                </a:solidFill>
-              </a:rPr>
-              <a:t>앱 실행</a:t>
-            </a:r>
-          </a:p>
-        </p:txBody>
-      </p:sp>
-      <p:sp>
-        <p:nvSpPr>
-          <p:cNvPr id="16" name="직사각형 15">
-            <a:extLst>
-              <a:ext uri="{FF2B5EF4-FFF2-40B4-BE49-F238E27FC236}">
-                <a16:creationId xmlns:a16="http://schemas.microsoft.com/office/drawing/2014/main" id="{B7000EB6-1A6A-4621-80A0-1F65AAF10BFD}"/>
-              </a:ext>
-            </a:extLst>
-          </p:cNvPr>
-          <p:cNvSpPr/>
-          <p:nvPr/>
-        </p:nvSpPr>
-        <p:spPr>
-          <a:xfrm>
-            <a:off x="2969146" y="2443964"/>
-            <a:ext cx="1076325" cy="496765"/>
-          </a:xfrm>
-          <a:prstGeom prst="rect">
-            <a:avLst/>
-          </a:prstGeom>
-          <a:solidFill>
-            <a:schemeClr val="bg1">
-              <a:lumMod val="85000"/>
-            </a:schemeClr>
-          </a:solidFill>
-          <a:ln w="19050">
-            <a:noFill/>
-          </a:ln>
-        </p:spPr>
-        <p:style>
-          <a:lnRef idx="2">
-            <a:schemeClr val="accent1">
-              <a:shade val="50000"/>
-            </a:schemeClr>
-          </a:lnRef>
-          <a:fillRef idx="1">
-            <a:schemeClr val="accent1"/>
-          </a:fillRef>
-          <a:effectRef idx="0">
-            <a:schemeClr val="accent1"/>
-          </a:effectRef>
-          <a:fontRef idx="minor">
-            <a:schemeClr val="lt1"/>
-          </a:fontRef>
-        </p:style>
-        <p:txBody>
-          <a:bodyPr rtlCol="0" anchor="ctr"/>
-          <a:lstStyle/>
-          <a:p>
-            <a:pPr algn="ctr"/>
-            <a:endParaRPr lang="ko-KR" altLang="en-US" sz="1100" b="1"/>
-          </a:p>
-        </p:txBody>
-      </p:sp>
-      <p:sp>
-        <p:nvSpPr>
-          <p:cNvPr id="19" name="직사각형 18">
-            <a:extLst>
-              <a:ext uri="{FF2B5EF4-FFF2-40B4-BE49-F238E27FC236}">
-                <a16:creationId xmlns:a16="http://schemas.microsoft.com/office/drawing/2014/main" id="{F95A75C2-0027-41E2-B891-F915CE1CCA4A}"/>
-              </a:ext>
-            </a:extLst>
-          </p:cNvPr>
-          <p:cNvSpPr/>
-          <p:nvPr/>
-        </p:nvSpPr>
-        <p:spPr>
-          <a:xfrm>
-            <a:off x="3685234" y="3347254"/>
-            <a:ext cx="509672" cy="261610"/>
-          </a:xfrm>
-          <a:prstGeom prst="rect">
-            <a:avLst/>
-          </a:prstGeom>
-        </p:spPr>
-        <p:txBody>
-          <a:bodyPr wrap="square">
-            <a:spAutoFit/>
-          </a:bodyPr>
-          <a:lstStyle/>
-          <a:p>
-            <a:pPr algn="ctr"/>
-            <a:r>
-              <a:rPr lang="en-US" altLang="ko-KR" sz="1100" b="1" dirty="0">
-                <a:solidFill>
-                  <a:schemeClr val="accent2"/>
-                </a:solidFill>
-              </a:rPr>
-              <a:t>NO</a:t>
-            </a:r>
-            <a:endParaRPr lang="ko-KR" altLang="en-US" sz="1100" b="1" dirty="0">
-              <a:solidFill>
-                <a:schemeClr val="accent2"/>
-              </a:solidFill>
-            </a:endParaRPr>
-          </a:p>
-        </p:txBody>
-      </p:sp>
-      <p:sp>
-        <p:nvSpPr>
-          <p:cNvPr id="20" name="직사각형 19">
-            <a:extLst>
-              <a:ext uri="{FF2B5EF4-FFF2-40B4-BE49-F238E27FC236}">
-                <a16:creationId xmlns:a16="http://schemas.microsoft.com/office/drawing/2014/main" id="{9D8A981C-7CD1-4053-8466-DC85FD658697}"/>
-              </a:ext>
-            </a:extLst>
-          </p:cNvPr>
-          <p:cNvSpPr/>
-          <p:nvPr/>
-        </p:nvSpPr>
-        <p:spPr>
-          <a:xfrm>
-            <a:off x="3472315" y="4095992"/>
-            <a:ext cx="573927" cy="261610"/>
-          </a:xfrm>
-          <a:prstGeom prst="rect">
-            <a:avLst/>
-          </a:prstGeom>
-        </p:spPr>
-        <p:txBody>
-          <a:bodyPr wrap="square">
-            <a:spAutoFit/>
-          </a:bodyPr>
-          <a:lstStyle/>
-          <a:p>
-            <a:pPr algn="ctr"/>
-            <a:r>
-              <a:rPr lang="en-US" altLang="ko-KR" sz="1100" b="1" dirty="0">
-                <a:solidFill>
-                  <a:schemeClr val="accent1"/>
-                </a:solidFill>
-              </a:rPr>
-              <a:t>YES</a:t>
-            </a:r>
-            <a:endParaRPr lang="ko-KR" altLang="en-US" sz="1100" b="1" dirty="0">
-              <a:solidFill>
-                <a:schemeClr val="accent1"/>
-              </a:solidFill>
-            </a:endParaRPr>
-          </a:p>
-        </p:txBody>
-      </p:sp>
-      <p:sp>
-        <p:nvSpPr>
-          <p:cNvPr id="23" name="직사각형 22">
-            <a:extLst>
-              <a:ext uri="{FF2B5EF4-FFF2-40B4-BE49-F238E27FC236}">
-                <a16:creationId xmlns:a16="http://schemas.microsoft.com/office/drawing/2014/main" id="{08068298-0C93-4ACF-8C6E-E1604025D0EB}"/>
-              </a:ext>
-            </a:extLst>
-          </p:cNvPr>
-          <p:cNvSpPr/>
-          <p:nvPr/>
-        </p:nvSpPr>
-        <p:spPr>
-          <a:xfrm>
-            <a:off x="3105736" y="2554403"/>
-            <a:ext cx="802588" cy="261610"/>
-          </a:xfrm>
-          <a:prstGeom prst="rect">
-            <a:avLst/>
-          </a:prstGeom>
-        </p:spPr>
-        <p:txBody>
-          <a:bodyPr wrap="square">
-            <a:spAutoFit/>
-          </a:bodyPr>
-          <a:lstStyle/>
-          <a:p>
-            <a:pPr algn="ctr"/>
-            <a:r>
-              <a:rPr lang="ko-KR" altLang="en-US" sz="1100" b="1" dirty="0" smtClean="0"/>
-              <a:t>로그인</a:t>
-            </a:r>
-            <a:endParaRPr lang="ko-KR" altLang="en-US" sz="1100" b="1" dirty="0"/>
-          </a:p>
-        </p:txBody>
-      </p:sp>
       <p:pic>
         <p:nvPicPr>
-          <p:cNvPr id="61" name="그림 60"/>
+          <p:cNvPr id="2" name="그림 1"/>
           <p:cNvPicPr>
             <a:picLocks noChangeAspect="1"/>
           </p:cNvPicPr>
@@ -5716,14 +5483,14 @@
       </p:pic>
       <p:sp>
         <p:nvSpPr>
-          <p:cNvPr id="62" name="TextBox 61"/>
+          <p:cNvPr id="3" name="TextBox 2"/>
           <p:cNvSpPr txBox="1"/>
           <p:nvPr/>
         </p:nvSpPr>
         <p:spPr>
           <a:xfrm>
-            <a:off x="174567" y="706551"/>
-            <a:ext cx="2347117" cy="307777"/>
+            <a:off x="174567" y="756459"/>
+            <a:ext cx="838691" cy="307777"/>
           </a:xfrm>
           <a:prstGeom prst="rect">
             <a:avLst/>
@@ -5737,1140 +5504,920 @@
           <a:lstStyle/>
           <a:p>
             <a:r>
+              <a:rPr lang="en-US" altLang="ko-KR" sz="1400" dirty="0" smtClean="0"/>
+              <a:t>DB </a:t>
+            </a:r>
+            <a:r>
               <a:rPr lang="ko-KR" altLang="en-US" sz="1400" dirty="0" smtClean="0"/>
-              <a:t>로그인 페이지 </a:t>
-            </a:r>
-            <a:r>
-              <a:rPr lang="ko-KR" altLang="en-US" sz="1400" dirty="0" err="1" smtClean="0"/>
-              <a:t>플로우</a:t>
-            </a:r>
-            <a:r>
-              <a:rPr lang="ko-KR" altLang="en-US" sz="1400" dirty="0" smtClean="0"/>
-              <a:t> 차트</a:t>
+              <a:t>설계</a:t>
             </a:r>
             <a:endParaRPr lang="ko-KR" altLang="en-US" sz="1400" dirty="0"/>
           </a:p>
         </p:txBody>
       </p:sp>
-      <p:sp>
-        <p:nvSpPr>
-          <p:cNvPr id="63" name="직사각형 62">
-            <a:extLst>
-              <a:ext uri="{FF2B5EF4-FFF2-40B4-BE49-F238E27FC236}">
-                <a16:creationId xmlns:a16="http://schemas.microsoft.com/office/drawing/2014/main" id="{B7000EB6-1A6A-4621-80A0-1F65AAF10BFD}"/>
-              </a:ext>
-            </a:extLst>
-          </p:cNvPr>
-          <p:cNvSpPr/>
-          <p:nvPr/>
-        </p:nvSpPr>
-        <p:spPr>
-          <a:xfrm>
-            <a:off x="4627724" y="2443964"/>
-            <a:ext cx="1076325" cy="496765"/>
-          </a:xfrm>
-          <a:prstGeom prst="rect">
-            <a:avLst/>
-          </a:prstGeom>
-          <a:solidFill>
-            <a:schemeClr val="bg1">
-              <a:lumMod val="85000"/>
-            </a:schemeClr>
-          </a:solidFill>
-          <a:ln w="19050">
-            <a:noFill/>
-          </a:ln>
-        </p:spPr>
-        <p:style>
-          <a:lnRef idx="2">
-            <a:schemeClr val="accent1">
-              <a:shade val="50000"/>
-            </a:schemeClr>
-          </a:lnRef>
-          <a:fillRef idx="1">
-            <a:schemeClr val="accent1"/>
-          </a:fillRef>
-          <a:effectRef idx="0">
-            <a:schemeClr val="accent1"/>
-          </a:effectRef>
-          <a:fontRef idx="minor">
-            <a:schemeClr val="lt1"/>
-          </a:fontRef>
-        </p:style>
-        <p:txBody>
-          <a:bodyPr rtlCol="0" anchor="ctr"/>
-          <a:lstStyle/>
-          <a:p>
-            <a:pPr algn="ctr"/>
-            <a:endParaRPr lang="ko-KR" altLang="en-US" sz="1100" b="1"/>
-          </a:p>
-        </p:txBody>
-      </p:sp>
-      <p:sp>
-        <p:nvSpPr>
-          <p:cNvPr id="64" name="직사각형 63">
-            <a:extLst>
-              <a:ext uri="{FF2B5EF4-FFF2-40B4-BE49-F238E27FC236}">
-                <a16:creationId xmlns:a16="http://schemas.microsoft.com/office/drawing/2014/main" id="{08068298-0C93-4ACF-8C6E-E1604025D0EB}"/>
-              </a:ext>
-            </a:extLst>
-          </p:cNvPr>
-          <p:cNvSpPr/>
-          <p:nvPr/>
-        </p:nvSpPr>
-        <p:spPr>
-          <a:xfrm>
-            <a:off x="4764314" y="2554403"/>
-            <a:ext cx="802588" cy="261610"/>
-          </a:xfrm>
-          <a:prstGeom prst="rect">
-            <a:avLst/>
-          </a:prstGeom>
-        </p:spPr>
-        <p:txBody>
-          <a:bodyPr wrap="square">
-            <a:spAutoFit/>
-          </a:bodyPr>
-          <a:lstStyle/>
-          <a:p>
-            <a:pPr algn="ctr"/>
-            <a:r>
-              <a:rPr lang="en-US" altLang="ko-KR" sz="1100" b="1" dirty="0" smtClean="0"/>
-              <a:t>ID </a:t>
-            </a:r>
-            <a:r>
-              <a:rPr lang="ko-KR" altLang="en-US" sz="1100" b="1" dirty="0" smtClean="0"/>
-              <a:t>입력</a:t>
-            </a:r>
-            <a:endParaRPr lang="ko-KR" altLang="en-US" sz="1100" b="1" dirty="0"/>
-          </a:p>
-        </p:txBody>
-      </p:sp>
-      <p:sp>
-        <p:nvSpPr>
-          <p:cNvPr id="65" name="직사각형 64">
-            <a:extLst>
-              <a:ext uri="{FF2B5EF4-FFF2-40B4-BE49-F238E27FC236}">
-                <a16:creationId xmlns:a16="http://schemas.microsoft.com/office/drawing/2014/main" id="{B7000EB6-1A6A-4621-80A0-1F65AAF10BFD}"/>
-              </a:ext>
-            </a:extLst>
-          </p:cNvPr>
-          <p:cNvSpPr/>
-          <p:nvPr/>
-        </p:nvSpPr>
-        <p:spPr>
-          <a:xfrm>
-            <a:off x="6286302" y="2443964"/>
-            <a:ext cx="1076325" cy="496765"/>
-          </a:xfrm>
-          <a:prstGeom prst="rect">
-            <a:avLst/>
-          </a:prstGeom>
-          <a:solidFill>
-            <a:schemeClr val="bg1">
-              <a:lumMod val="85000"/>
-            </a:schemeClr>
-          </a:solidFill>
-          <a:ln w="19050">
-            <a:noFill/>
-          </a:ln>
-        </p:spPr>
-        <p:style>
-          <a:lnRef idx="2">
-            <a:schemeClr val="accent1">
-              <a:shade val="50000"/>
-            </a:schemeClr>
-          </a:lnRef>
-          <a:fillRef idx="1">
-            <a:schemeClr val="accent1"/>
-          </a:fillRef>
-          <a:effectRef idx="0">
-            <a:schemeClr val="accent1"/>
-          </a:effectRef>
-          <a:fontRef idx="minor">
-            <a:schemeClr val="lt1"/>
-          </a:fontRef>
-        </p:style>
-        <p:txBody>
-          <a:bodyPr rtlCol="0" anchor="ctr"/>
-          <a:lstStyle/>
-          <a:p>
-            <a:pPr algn="ctr"/>
-            <a:endParaRPr lang="ko-KR" altLang="en-US" sz="1100" b="1"/>
-          </a:p>
-        </p:txBody>
-      </p:sp>
-      <p:sp>
-        <p:nvSpPr>
-          <p:cNvPr id="66" name="직사각형 65">
-            <a:extLst>
-              <a:ext uri="{FF2B5EF4-FFF2-40B4-BE49-F238E27FC236}">
-                <a16:creationId xmlns:a16="http://schemas.microsoft.com/office/drawing/2014/main" id="{08068298-0C93-4ACF-8C6E-E1604025D0EB}"/>
-              </a:ext>
-            </a:extLst>
-          </p:cNvPr>
-          <p:cNvSpPr/>
-          <p:nvPr/>
-        </p:nvSpPr>
-        <p:spPr>
-          <a:xfrm>
-            <a:off x="6422892" y="2554403"/>
-            <a:ext cx="802588" cy="261610"/>
-          </a:xfrm>
-          <a:prstGeom prst="rect">
-            <a:avLst/>
-          </a:prstGeom>
-        </p:spPr>
-        <p:txBody>
-          <a:bodyPr wrap="square">
-            <a:spAutoFit/>
-          </a:bodyPr>
-          <a:lstStyle/>
-          <a:p>
-            <a:pPr algn="ctr"/>
-            <a:r>
-              <a:rPr lang="en-US" altLang="ko-KR" sz="1100" b="1" dirty="0" smtClean="0"/>
-              <a:t>PW </a:t>
-            </a:r>
-            <a:r>
-              <a:rPr lang="ko-KR" altLang="en-US" sz="1100" b="1" dirty="0" smtClean="0"/>
-              <a:t>입력</a:t>
-            </a:r>
-            <a:endParaRPr lang="ko-KR" altLang="en-US" sz="1100" b="1" dirty="0"/>
-          </a:p>
-        </p:txBody>
-      </p:sp>
-      <p:sp>
-        <p:nvSpPr>
-          <p:cNvPr id="67" name="직사각형 66">
-            <a:extLst>
-              <a:ext uri="{FF2B5EF4-FFF2-40B4-BE49-F238E27FC236}">
-                <a16:creationId xmlns:a16="http://schemas.microsoft.com/office/drawing/2014/main" id="{B7000EB6-1A6A-4621-80A0-1F65AAF10BFD}"/>
-              </a:ext>
-            </a:extLst>
-          </p:cNvPr>
-          <p:cNvSpPr/>
-          <p:nvPr/>
-        </p:nvSpPr>
-        <p:spPr>
-          <a:xfrm>
-            <a:off x="7944880" y="2443964"/>
-            <a:ext cx="1076325" cy="496765"/>
-          </a:xfrm>
-          <a:prstGeom prst="rect">
-            <a:avLst/>
-          </a:prstGeom>
-          <a:solidFill>
-            <a:schemeClr val="bg1">
-              <a:lumMod val="85000"/>
-            </a:schemeClr>
-          </a:solidFill>
-          <a:ln w="19050">
-            <a:noFill/>
-          </a:ln>
-        </p:spPr>
-        <p:style>
-          <a:lnRef idx="2">
-            <a:schemeClr val="accent1">
-              <a:shade val="50000"/>
-            </a:schemeClr>
-          </a:lnRef>
-          <a:fillRef idx="1">
-            <a:schemeClr val="accent1"/>
-          </a:fillRef>
-          <a:effectRef idx="0">
-            <a:schemeClr val="accent1"/>
-          </a:effectRef>
-          <a:fontRef idx="minor">
-            <a:schemeClr val="lt1"/>
-          </a:fontRef>
-        </p:style>
-        <p:txBody>
-          <a:bodyPr rtlCol="0" anchor="ctr"/>
-          <a:lstStyle/>
-          <a:p>
-            <a:pPr algn="ctr"/>
-            <a:endParaRPr lang="ko-KR" altLang="en-US" sz="1100" b="1"/>
-          </a:p>
-        </p:txBody>
-      </p:sp>
-      <p:sp>
-        <p:nvSpPr>
-          <p:cNvPr id="68" name="직사각형 67">
-            <a:extLst>
-              <a:ext uri="{FF2B5EF4-FFF2-40B4-BE49-F238E27FC236}">
-                <a16:creationId xmlns:a16="http://schemas.microsoft.com/office/drawing/2014/main" id="{08068298-0C93-4ACF-8C6E-E1604025D0EB}"/>
-              </a:ext>
-            </a:extLst>
-          </p:cNvPr>
-          <p:cNvSpPr/>
-          <p:nvPr/>
-        </p:nvSpPr>
-        <p:spPr>
-          <a:xfrm>
-            <a:off x="8006653" y="2503355"/>
-            <a:ext cx="989613" cy="369332"/>
-          </a:xfrm>
-          <a:prstGeom prst="rect">
-            <a:avLst/>
-          </a:prstGeom>
-        </p:spPr>
-        <p:txBody>
-          <a:bodyPr wrap="square">
-            <a:spAutoFit/>
-          </a:bodyPr>
-          <a:lstStyle/>
-          <a:p>
-            <a:pPr algn="ctr"/>
-            <a:r>
-              <a:rPr lang="en-US" altLang="ko-KR" sz="900" b="1" dirty="0" smtClean="0"/>
-              <a:t>ID/PW </a:t>
-            </a:r>
-            <a:r>
-              <a:rPr lang="ko-KR" altLang="en-US" sz="900" b="1" dirty="0" smtClean="0"/>
-              <a:t>값</a:t>
-            </a:r>
-            <a:endParaRPr lang="en-US" altLang="ko-KR" sz="900" b="1" dirty="0" smtClean="0"/>
-          </a:p>
-          <a:p>
-            <a:pPr algn="ctr"/>
-            <a:r>
-              <a:rPr lang="ko-KR" altLang="en-US" sz="900" b="1" dirty="0" smtClean="0"/>
-              <a:t>중복 </a:t>
-            </a:r>
-            <a:r>
-              <a:rPr lang="ko-KR" altLang="en-US" sz="900" b="1" dirty="0" smtClean="0"/>
-              <a:t>확인 여부</a:t>
-            </a:r>
-            <a:endParaRPr lang="ko-KR" altLang="en-US" sz="900" b="1" dirty="0"/>
-          </a:p>
-        </p:txBody>
-      </p:sp>
-      <p:sp>
-        <p:nvSpPr>
-          <p:cNvPr id="69" name="모서리가 둥근 직사각형 2">
-            <a:extLst>
-              <a:ext uri="{FF2B5EF4-FFF2-40B4-BE49-F238E27FC236}">
-                <a16:creationId xmlns:a16="http://schemas.microsoft.com/office/drawing/2014/main" id="{3A211156-50E1-4650-8D04-816357CBA00A}"/>
-              </a:ext>
-            </a:extLst>
-          </p:cNvPr>
-          <p:cNvSpPr/>
-          <p:nvPr/>
-        </p:nvSpPr>
-        <p:spPr>
-          <a:xfrm>
-            <a:off x="9603458" y="2419025"/>
-            <a:ext cx="1125508" cy="521366"/>
-          </a:xfrm>
-          <a:prstGeom prst="roundRect">
-            <a:avLst>
-              <a:gd name="adj" fmla="val 47667"/>
-            </a:avLst>
-          </a:prstGeom>
-          <a:solidFill>
-            <a:schemeClr val="tx1"/>
-          </a:solidFill>
-          <a:ln w="19050">
-            <a:noFill/>
-          </a:ln>
-        </p:spPr>
-        <p:style>
-          <a:lnRef idx="2">
-            <a:schemeClr val="accent1">
-              <a:shade val="50000"/>
-            </a:schemeClr>
-          </a:lnRef>
-          <a:fillRef idx="1">
-            <a:schemeClr val="accent1"/>
-          </a:fillRef>
-          <a:effectRef idx="0">
-            <a:schemeClr val="accent1"/>
-          </a:effectRef>
-          <a:fontRef idx="minor">
-            <a:schemeClr val="lt1"/>
-          </a:fontRef>
-        </p:style>
-        <p:txBody>
-          <a:bodyPr rtlCol="0" anchor="ctr"/>
-          <a:lstStyle/>
-          <a:p>
-            <a:pPr algn="ctr"/>
-            <a:r>
-              <a:rPr lang="ko-KR" altLang="en-US" sz="1100" b="1" smtClean="0">
-                <a:solidFill>
-                  <a:schemeClr val="bg1"/>
-                </a:solidFill>
-              </a:rPr>
-              <a:t>로그인 성공</a:t>
-            </a:r>
-            <a:endParaRPr lang="ko-KR" altLang="en-US" sz="1100" b="1" dirty="0">
-              <a:solidFill>
-                <a:schemeClr val="bg1"/>
-              </a:solidFill>
-            </a:endParaRPr>
-          </a:p>
-        </p:txBody>
-      </p:sp>
-      <p:sp>
-        <p:nvSpPr>
-          <p:cNvPr id="70" name="다이아몬드 69">
-            <a:extLst>
-              <a:ext uri="{FF2B5EF4-FFF2-40B4-BE49-F238E27FC236}">
-                <a16:creationId xmlns:a16="http://schemas.microsoft.com/office/drawing/2014/main" id="{FF901B1D-7175-437D-A9A4-BC2E154574D5}"/>
-              </a:ext>
-            </a:extLst>
-          </p:cNvPr>
-          <p:cNvSpPr/>
-          <p:nvPr/>
-        </p:nvSpPr>
-        <p:spPr>
-          <a:xfrm>
-            <a:off x="2868243" y="3503692"/>
-            <a:ext cx="1283311" cy="642791"/>
-          </a:xfrm>
-          <a:prstGeom prst="diamond">
-            <a:avLst/>
-          </a:prstGeom>
-          <a:solidFill>
-            <a:schemeClr val="tx1"/>
-          </a:solidFill>
-          <a:ln w="19050">
-            <a:noFill/>
-          </a:ln>
-        </p:spPr>
-        <p:style>
-          <a:lnRef idx="2">
-            <a:schemeClr val="accent1">
-              <a:shade val="50000"/>
-            </a:schemeClr>
-          </a:lnRef>
-          <a:fillRef idx="1">
-            <a:schemeClr val="accent1"/>
-          </a:fillRef>
-          <a:effectRef idx="0">
-            <a:schemeClr val="accent1"/>
-          </a:effectRef>
-          <a:fontRef idx="minor">
-            <a:schemeClr val="lt1"/>
-          </a:fontRef>
-        </p:style>
-        <p:txBody>
-          <a:bodyPr rtlCol="0" anchor="ctr"/>
-          <a:lstStyle/>
-          <a:p>
-            <a:pPr algn="ctr"/>
-            <a:endParaRPr lang="ko-KR" altLang="en-US" sz="1100" b="1"/>
-          </a:p>
-        </p:txBody>
-      </p:sp>
-      <p:sp>
-        <p:nvSpPr>
-          <p:cNvPr id="71" name="직사각형 70">
-            <a:extLst>
-              <a:ext uri="{FF2B5EF4-FFF2-40B4-BE49-F238E27FC236}">
-                <a16:creationId xmlns:a16="http://schemas.microsoft.com/office/drawing/2014/main" id="{C4EB3CA0-7C43-4CF3-90DD-980E84A5474F}"/>
-              </a:ext>
-            </a:extLst>
-          </p:cNvPr>
-          <p:cNvSpPr/>
-          <p:nvPr/>
-        </p:nvSpPr>
-        <p:spPr>
-          <a:xfrm>
-            <a:off x="3178339" y="3689178"/>
-            <a:ext cx="635381" cy="261610"/>
-          </a:xfrm>
-          <a:prstGeom prst="rect">
-            <a:avLst/>
-          </a:prstGeom>
-        </p:spPr>
-        <p:txBody>
-          <a:bodyPr wrap="square">
-            <a:spAutoFit/>
-          </a:bodyPr>
-          <a:lstStyle/>
-          <a:p>
-            <a:pPr algn="ctr"/>
-            <a:r>
-              <a:rPr lang="ko-KR" altLang="en-US" sz="1100" b="1" dirty="0" smtClean="0">
-                <a:solidFill>
-                  <a:schemeClr val="bg1"/>
-                </a:solidFill>
-              </a:rPr>
-              <a:t>계정</a:t>
-            </a:r>
-            <a:endParaRPr lang="en-US" altLang="ko-KR" sz="1100" b="1" dirty="0">
-              <a:solidFill>
-                <a:schemeClr val="bg1"/>
-              </a:solidFill>
-            </a:endParaRPr>
-          </a:p>
-        </p:txBody>
-      </p:sp>
-      <p:cxnSp>
-        <p:nvCxnSpPr>
-          <p:cNvPr id="72" name="직선 화살표 연결선 71">
-            <a:extLst>
-              <a:ext uri="{FF2B5EF4-FFF2-40B4-BE49-F238E27FC236}">
-                <a16:creationId xmlns:a16="http://schemas.microsoft.com/office/drawing/2014/main" id="{A2DBE3E6-1FA0-4710-BDF0-DA4D31A2A758}"/>
-              </a:ext>
-            </a:extLst>
-          </p:cNvPr>
-          <p:cNvCxnSpPr>
-            <a:stCxn id="70" idx="2"/>
-          </p:cNvCxnSpPr>
-          <p:nvPr/>
-        </p:nvCxnSpPr>
-        <p:spPr>
-          <a:xfrm>
-            <a:off x="3509899" y="4146483"/>
-            <a:ext cx="0" cy="580768"/>
-          </a:xfrm>
-          <a:prstGeom prst="straightConnector1">
-            <a:avLst/>
-          </a:prstGeom>
-          <a:ln>
-            <a:solidFill>
-              <a:schemeClr val="tx1"/>
-            </a:solidFill>
-            <a:tailEnd type="triangle"/>
-          </a:ln>
-        </p:spPr>
-        <p:style>
-          <a:lnRef idx="1">
-            <a:schemeClr val="accent1"/>
-          </a:lnRef>
-          <a:fillRef idx="0">
-            <a:schemeClr val="accent1"/>
-          </a:fillRef>
-          <a:effectRef idx="0">
-            <a:schemeClr val="accent1"/>
-          </a:effectRef>
-          <a:fontRef idx="minor">
-            <a:schemeClr val="tx1"/>
-          </a:fontRef>
-        </p:style>
-      </p:cxnSp>
-      <p:cxnSp>
-        <p:nvCxnSpPr>
-          <p:cNvPr id="73" name="직선 화살표 연결선 72">
-            <a:extLst>
-              <a:ext uri="{FF2B5EF4-FFF2-40B4-BE49-F238E27FC236}">
-                <a16:creationId xmlns:a16="http://schemas.microsoft.com/office/drawing/2014/main" id="{92DBD7B0-C2DE-4917-B8B9-5818E645AFF7}"/>
-              </a:ext>
-            </a:extLst>
-          </p:cNvPr>
-          <p:cNvCxnSpPr/>
-          <p:nvPr/>
-        </p:nvCxnSpPr>
-        <p:spPr>
-          <a:xfrm flipH="1">
-            <a:off x="3509898" y="2940391"/>
-            <a:ext cx="1" cy="367456"/>
-          </a:xfrm>
-          <a:prstGeom prst="straightConnector1">
-            <a:avLst/>
-          </a:prstGeom>
-          <a:ln>
-            <a:solidFill>
-              <a:schemeClr val="tx1"/>
-            </a:solidFill>
-            <a:tailEnd type="triangle"/>
-          </a:ln>
-        </p:spPr>
-        <p:style>
-          <a:lnRef idx="1">
-            <a:schemeClr val="accent1"/>
-          </a:lnRef>
-          <a:fillRef idx="0">
-            <a:schemeClr val="accent1"/>
-          </a:fillRef>
-          <a:effectRef idx="0">
-            <a:schemeClr val="accent1"/>
-          </a:effectRef>
-          <a:fontRef idx="minor">
-            <a:schemeClr val="tx1"/>
-          </a:fontRef>
-        </p:style>
-      </p:cxnSp>
-      <p:sp>
-        <p:nvSpPr>
-          <p:cNvPr id="74" name="직사각형 73">
-            <a:extLst>
-              <a:ext uri="{FF2B5EF4-FFF2-40B4-BE49-F238E27FC236}">
-                <a16:creationId xmlns:a16="http://schemas.microsoft.com/office/drawing/2014/main" id="{B7000EB6-1A6A-4621-80A0-1F65AAF10BFD}"/>
-              </a:ext>
-            </a:extLst>
-          </p:cNvPr>
-          <p:cNvSpPr/>
-          <p:nvPr/>
-        </p:nvSpPr>
-        <p:spPr>
-          <a:xfrm>
-            <a:off x="2969146" y="4814194"/>
-            <a:ext cx="1076325" cy="496765"/>
-          </a:xfrm>
-          <a:prstGeom prst="rect">
-            <a:avLst/>
-          </a:prstGeom>
-          <a:solidFill>
-            <a:schemeClr val="bg1">
-              <a:lumMod val="85000"/>
-            </a:schemeClr>
-          </a:solidFill>
-          <a:ln w="19050">
-            <a:noFill/>
-          </a:ln>
-        </p:spPr>
-        <p:style>
-          <a:lnRef idx="2">
-            <a:schemeClr val="accent1">
-              <a:shade val="50000"/>
-            </a:schemeClr>
-          </a:lnRef>
-          <a:fillRef idx="1">
-            <a:schemeClr val="accent1"/>
-          </a:fillRef>
-          <a:effectRef idx="0">
-            <a:schemeClr val="accent1"/>
-          </a:effectRef>
-          <a:fontRef idx="minor">
-            <a:schemeClr val="lt1"/>
-          </a:fontRef>
-        </p:style>
-        <p:txBody>
-          <a:bodyPr rtlCol="0" anchor="ctr"/>
-          <a:lstStyle/>
-          <a:p>
-            <a:pPr algn="ctr"/>
-            <a:endParaRPr lang="ko-KR" altLang="en-US" sz="1100" b="1"/>
-          </a:p>
-        </p:txBody>
-      </p:sp>
-      <p:sp>
-        <p:nvSpPr>
-          <p:cNvPr id="75" name="직사각형 74">
-            <a:extLst>
-              <a:ext uri="{FF2B5EF4-FFF2-40B4-BE49-F238E27FC236}">
-                <a16:creationId xmlns:a16="http://schemas.microsoft.com/office/drawing/2014/main" id="{08068298-0C93-4ACF-8C6E-E1604025D0EB}"/>
-              </a:ext>
-            </a:extLst>
-          </p:cNvPr>
-          <p:cNvSpPr/>
-          <p:nvPr/>
-        </p:nvSpPr>
-        <p:spPr>
-          <a:xfrm>
-            <a:off x="3105736" y="4924633"/>
-            <a:ext cx="802588" cy="261610"/>
-          </a:xfrm>
-          <a:prstGeom prst="rect">
-            <a:avLst/>
-          </a:prstGeom>
-        </p:spPr>
-        <p:txBody>
-          <a:bodyPr wrap="square">
-            <a:spAutoFit/>
-          </a:bodyPr>
-          <a:lstStyle/>
-          <a:p>
-            <a:pPr algn="ctr"/>
-            <a:r>
-              <a:rPr lang="ko-KR" altLang="en-US" sz="1100" b="1" dirty="0"/>
-              <a:t>회원가입</a:t>
-            </a:r>
-          </a:p>
-        </p:txBody>
-      </p:sp>
-      <p:cxnSp>
-        <p:nvCxnSpPr>
-          <p:cNvPr id="6" name="직선 화살표 연결선 5"/>
-          <p:cNvCxnSpPr>
-            <a:stCxn id="9" idx="3"/>
-          </p:cNvCxnSpPr>
-          <p:nvPr/>
-        </p:nvCxnSpPr>
-        <p:spPr>
-          <a:xfrm>
-            <a:off x="2560332" y="2679708"/>
-            <a:ext cx="307911" cy="0"/>
-          </a:xfrm>
-          <a:prstGeom prst="straightConnector1">
-            <a:avLst/>
-          </a:prstGeom>
-          <a:ln>
-            <a:solidFill>
-              <a:schemeClr val="tx1"/>
-            </a:solidFill>
-            <a:tailEnd type="triangle"/>
-          </a:ln>
-        </p:spPr>
-        <p:style>
-          <a:lnRef idx="1">
-            <a:schemeClr val="accent1"/>
-          </a:lnRef>
-          <a:fillRef idx="0">
-            <a:schemeClr val="accent1"/>
-          </a:fillRef>
-          <a:effectRef idx="0">
-            <a:schemeClr val="accent1"/>
-          </a:effectRef>
-          <a:fontRef idx="minor">
-            <a:schemeClr val="tx1"/>
-          </a:fontRef>
-        </p:style>
-      </p:cxnSp>
-      <p:cxnSp>
-        <p:nvCxnSpPr>
-          <p:cNvPr id="79" name="직선 화살표 연결선 78"/>
-          <p:cNvCxnSpPr/>
-          <p:nvPr/>
-        </p:nvCxnSpPr>
-        <p:spPr>
-          <a:xfrm>
-            <a:off x="4040951" y="2679708"/>
-            <a:ext cx="307911" cy="0"/>
-          </a:xfrm>
-          <a:prstGeom prst="straightConnector1">
-            <a:avLst/>
-          </a:prstGeom>
-          <a:ln>
-            <a:solidFill>
-              <a:schemeClr val="tx1"/>
-            </a:solidFill>
-            <a:tailEnd type="triangle"/>
-          </a:ln>
-        </p:spPr>
-        <p:style>
-          <a:lnRef idx="1">
-            <a:schemeClr val="accent1"/>
-          </a:lnRef>
-          <a:fillRef idx="0">
-            <a:schemeClr val="accent1"/>
-          </a:fillRef>
-          <a:effectRef idx="0">
-            <a:schemeClr val="accent1"/>
-          </a:effectRef>
-          <a:fontRef idx="minor">
-            <a:schemeClr val="tx1"/>
-          </a:fontRef>
-        </p:style>
-      </p:cxnSp>
-      <p:cxnSp>
-        <p:nvCxnSpPr>
-          <p:cNvPr id="80" name="직선 화살표 연결선 79"/>
-          <p:cNvCxnSpPr/>
-          <p:nvPr/>
-        </p:nvCxnSpPr>
-        <p:spPr>
-          <a:xfrm>
-            <a:off x="5704049" y="2679708"/>
-            <a:ext cx="307911" cy="0"/>
-          </a:xfrm>
-          <a:prstGeom prst="straightConnector1">
-            <a:avLst/>
-          </a:prstGeom>
-          <a:ln>
-            <a:solidFill>
-              <a:schemeClr val="tx1"/>
-            </a:solidFill>
-            <a:tailEnd type="triangle"/>
-          </a:ln>
-        </p:spPr>
-        <p:style>
-          <a:lnRef idx="1">
-            <a:schemeClr val="accent1"/>
-          </a:lnRef>
-          <a:fillRef idx="0">
-            <a:schemeClr val="accent1"/>
-          </a:fillRef>
-          <a:effectRef idx="0">
-            <a:schemeClr val="accent1"/>
-          </a:effectRef>
-          <a:fontRef idx="minor">
-            <a:schemeClr val="tx1"/>
-          </a:fontRef>
-        </p:style>
-      </p:cxnSp>
-      <p:cxnSp>
-        <p:nvCxnSpPr>
-          <p:cNvPr id="81" name="직선 화살표 연결선 80"/>
-          <p:cNvCxnSpPr/>
-          <p:nvPr/>
-        </p:nvCxnSpPr>
-        <p:spPr>
-          <a:xfrm>
-            <a:off x="7362627" y="2679708"/>
-            <a:ext cx="307911" cy="0"/>
-          </a:xfrm>
-          <a:prstGeom prst="straightConnector1">
-            <a:avLst/>
-          </a:prstGeom>
-          <a:ln>
-            <a:solidFill>
-              <a:schemeClr val="tx1"/>
-            </a:solidFill>
-            <a:tailEnd type="triangle"/>
-          </a:ln>
-        </p:spPr>
-        <p:style>
-          <a:lnRef idx="1">
-            <a:schemeClr val="accent1"/>
-          </a:lnRef>
-          <a:fillRef idx="0">
-            <a:schemeClr val="accent1"/>
-          </a:fillRef>
-          <a:effectRef idx="0">
-            <a:schemeClr val="accent1"/>
-          </a:effectRef>
-          <a:fontRef idx="minor">
-            <a:schemeClr val="tx1"/>
-          </a:fontRef>
-        </p:style>
-      </p:cxnSp>
-      <p:cxnSp>
-        <p:nvCxnSpPr>
-          <p:cNvPr id="82" name="직선 화살표 연결선 81"/>
-          <p:cNvCxnSpPr/>
-          <p:nvPr/>
-        </p:nvCxnSpPr>
-        <p:spPr>
-          <a:xfrm>
-            <a:off x="9021205" y="2679708"/>
-            <a:ext cx="307911" cy="0"/>
-          </a:xfrm>
-          <a:prstGeom prst="straightConnector1">
-            <a:avLst/>
-          </a:prstGeom>
-          <a:ln>
-            <a:solidFill>
-              <a:schemeClr val="tx1"/>
-            </a:solidFill>
-            <a:tailEnd type="triangle"/>
-          </a:ln>
-        </p:spPr>
-        <p:style>
-          <a:lnRef idx="1">
-            <a:schemeClr val="accent1"/>
-          </a:lnRef>
-          <a:fillRef idx="0">
-            <a:schemeClr val="accent1"/>
-          </a:fillRef>
-          <a:effectRef idx="0">
-            <a:schemeClr val="accent1"/>
-          </a:effectRef>
-          <a:fontRef idx="minor">
-            <a:schemeClr val="tx1"/>
-          </a:fontRef>
-        </p:style>
-      </p:cxnSp>
-      <p:cxnSp>
-        <p:nvCxnSpPr>
-          <p:cNvPr id="25" name="직선 화살표 연결선 24"/>
-          <p:cNvCxnSpPr>
-            <a:endCxn id="65" idx="0"/>
-          </p:cNvCxnSpPr>
-          <p:nvPr/>
-        </p:nvCxnSpPr>
-        <p:spPr>
-          <a:xfrm>
-            <a:off x="6824186" y="2101580"/>
-            <a:ext cx="279" cy="342384"/>
-          </a:xfrm>
-          <a:prstGeom prst="straightConnector1">
-            <a:avLst/>
-          </a:prstGeom>
-          <a:ln>
-            <a:tailEnd type="triangle"/>
-          </a:ln>
-        </p:spPr>
-        <p:style>
-          <a:lnRef idx="1">
-            <a:schemeClr val="accent1"/>
-          </a:lnRef>
-          <a:fillRef idx="0">
-            <a:schemeClr val="accent1"/>
-          </a:fillRef>
-          <a:effectRef idx="0">
-            <a:schemeClr val="accent1"/>
-          </a:effectRef>
-          <a:fontRef idx="minor">
-            <a:schemeClr val="tx1"/>
-          </a:fontRef>
-        </p:style>
-      </p:cxnSp>
-      <p:cxnSp>
-        <p:nvCxnSpPr>
-          <p:cNvPr id="90" name="직선 화살표 연결선 89"/>
-          <p:cNvCxnSpPr/>
-          <p:nvPr/>
-        </p:nvCxnSpPr>
-        <p:spPr>
-          <a:xfrm>
-            <a:off x="5165329" y="2101580"/>
-            <a:ext cx="279" cy="342384"/>
-          </a:xfrm>
-          <a:prstGeom prst="straightConnector1">
-            <a:avLst/>
-          </a:prstGeom>
-          <a:ln>
-            <a:solidFill>
-              <a:schemeClr val="tx1"/>
-            </a:solidFill>
-            <a:tailEnd type="triangle"/>
-          </a:ln>
-        </p:spPr>
-        <p:style>
-          <a:lnRef idx="1">
-            <a:schemeClr val="accent1"/>
-          </a:lnRef>
-          <a:fillRef idx="0">
-            <a:schemeClr val="accent1"/>
-          </a:fillRef>
-          <a:effectRef idx="0">
-            <a:schemeClr val="accent1"/>
-          </a:effectRef>
-          <a:fontRef idx="minor">
-            <a:schemeClr val="tx1"/>
-          </a:fontRef>
-        </p:style>
-      </p:cxnSp>
-      <p:cxnSp>
-        <p:nvCxnSpPr>
-          <p:cNvPr id="91" name="직선 화살표 연결선 90"/>
-          <p:cNvCxnSpPr/>
-          <p:nvPr/>
-        </p:nvCxnSpPr>
-        <p:spPr>
-          <a:xfrm>
-            <a:off x="8482485" y="2101580"/>
-            <a:ext cx="279" cy="342384"/>
-          </a:xfrm>
-          <a:prstGeom prst="straightConnector1">
-            <a:avLst/>
-          </a:prstGeom>
-          <a:ln>
-            <a:solidFill>
-              <a:schemeClr val="tx1"/>
-            </a:solidFill>
-            <a:tailEnd type="triangle"/>
-          </a:ln>
-        </p:spPr>
-        <p:style>
-          <a:lnRef idx="1">
-            <a:schemeClr val="accent1"/>
-          </a:lnRef>
-          <a:fillRef idx="0">
-            <a:schemeClr val="accent1"/>
-          </a:fillRef>
-          <a:effectRef idx="0">
-            <a:schemeClr val="accent1"/>
-          </a:effectRef>
-          <a:fontRef idx="minor">
-            <a:schemeClr val="tx1"/>
-          </a:fontRef>
-        </p:style>
-      </p:cxnSp>
-      <p:cxnSp>
-        <p:nvCxnSpPr>
-          <p:cNvPr id="92" name="직선 화살표 연결선 91"/>
-          <p:cNvCxnSpPr/>
-          <p:nvPr/>
-        </p:nvCxnSpPr>
-        <p:spPr>
-          <a:xfrm>
-            <a:off x="6823628" y="2101580"/>
-            <a:ext cx="279" cy="342384"/>
-          </a:xfrm>
-          <a:prstGeom prst="straightConnector1">
-            <a:avLst/>
-          </a:prstGeom>
-          <a:ln>
-            <a:solidFill>
-              <a:schemeClr val="tx1"/>
-            </a:solidFill>
-            <a:tailEnd type="triangle"/>
-          </a:ln>
-        </p:spPr>
-        <p:style>
-          <a:lnRef idx="1">
-            <a:schemeClr val="accent1"/>
-          </a:lnRef>
-          <a:fillRef idx="0">
-            <a:schemeClr val="accent1"/>
-          </a:fillRef>
-          <a:effectRef idx="0">
-            <a:schemeClr val="accent1"/>
-          </a:effectRef>
-          <a:fontRef idx="minor">
-            <a:schemeClr val="tx1"/>
-          </a:fontRef>
-        </p:style>
-      </p:cxnSp>
-      <p:cxnSp>
-        <p:nvCxnSpPr>
-          <p:cNvPr id="27" name="직선 연결선 26"/>
-          <p:cNvCxnSpPr/>
-          <p:nvPr/>
-        </p:nvCxnSpPr>
-        <p:spPr>
-          <a:xfrm>
-            <a:off x="5165329" y="2101580"/>
-            <a:ext cx="3317156" cy="0"/>
-          </a:xfrm>
-          <a:prstGeom prst="line">
-            <a:avLst/>
-          </a:prstGeom>
-          <a:ln>
-            <a:solidFill>
-              <a:schemeClr val="tx1"/>
-            </a:solidFill>
-          </a:ln>
-        </p:spPr>
-        <p:style>
-          <a:lnRef idx="1">
-            <a:schemeClr val="accent1"/>
-          </a:lnRef>
-          <a:fillRef idx="0">
-            <a:schemeClr val="accent1"/>
-          </a:fillRef>
-          <a:effectRef idx="0">
-            <a:schemeClr val="accent1"/>
-          </a:effectRef>
-          <a:fontRef idx="minor">
-            <a:schemeClr val="tx1"/>
-          </a:fontRef>
-        </p:style>
-      </p:cxnSp>
-      <p:sp>
-        <p:nvSpPr>
-          <p:cNvPr id="95" name="직사각형 94">
-            <a:extLst>
-              <a:ext uri="{FF2B5EF4-FFF2-40B4-BE49-F238E27FC236}">
-                <a16:creationId xmlns:a16="http://schemas.microsoft.com/office/drawing/2014/main" id="{F95A75C2-0027-41E2-B891-F915CE1CCA4A}"/>
-              </a:ext>
-            </a:extLst>
-          </p:cNvPr>
-          <p:cNvSpPr/>
-          <p:nvPr/>
-        </p:nvSpPr>
-        <p:spPr>
-          <a:xfrm>
-            <a:off x="6568792" y="1759197"/>
-            <a:ext cx="509672" cy="261610"/>
-          </a:xfrm>
-          <a:prstGeom prst="rect">
-            <a:avLst/>
-          </a:prstGeom>
-        </p:spPr>
-        <p:txBody>
-          <a:bodyPr wrap="square">
-            <a:spAutoFit/>
-          </a:bodyPr>
-          <a:lstStyle/>
-          <a:p>
-            <a:pPr algn="ctr"/>
-            <a:r>
-              <a:rPr lang="en-US" altLang="ko-KR" sz="1100" b="1" dirty="0">
-                <a:solidFill>
-                  <a:schemeClr val="accent2"/>
-                </a:solidFill>
-              </a:rPr>
-              <a:t>NO</a:t>
-            </a:r>
-            <a:endParaRPr lang="ko-KR" altLang="en-US" sz="1100" b="1" dirty="0">
-              <a:solidFill>
-                <a:schemeClr val="accent2"/>
-              </a:solidFill>
-            </a:endParaRPr>
-          </a:p>
-        </p:txBody>
-      </p:sp>
-      <p:sp>
-        <p:nvSpPr>
-          <p:cNvPr id="96" name="직사각형 95">
-            <a:extLst>
-              <a:ext uri="{FF2B5EF4-FFF2-40B4-BE49-F238E27FC236}">
-                <a16:creationId xmlns:a16="http://schemas.microsoft.com/office/drawing/2014/main" id="{9D8A981C-7CD1-4053-8466-DC85FD658697}"/>
-              </a:ext>
-            </a:extLst>
-          </p:cNvPr>
-          <p:cNvSpPr/>
-          <p:nvPr/>
-        </p:nvSpPr>
-        <p:spPr>
-          <a:xfrm>
-            <a:off x="8899083" y="2388403"/>
-            <a:ext cx="573927" cy="261610"/>
-          </a:xfrm>
-          <a:prstGeom prst="rect">
-            <a:avLst/>
-          </a:prstGeom>
-        </p:spPr>
-        <p:txBody>
-          <a:bodyPr wrap="square">
-            <a:spAutoFit/>
-          </a:bodyPr>
-          <a:lstStyle/>
-          <a:p>
-            <a:pPr algn="ctr"/>
-            <a:r>
-              <a:rPr lang="en-US" altLang="ko-KR" sz="1100" b="1" dirty="0">
-                <a:solidFill>
-                  <a:schemeClr val="accent1"/>
-                </a:solidFill>
-              </a:rPr>
-              <a:t>YES</a:t>
-            </a:r>
-            <a:endParaRPr lang="ko-KR" altLang="en-US" sz="1100" b="1" dirty="0">
-              <a:solidFill>
-                <a:schemeClr val="accent1"/>
-              </a:solidFill>
-            </a:endParaRPr>
-          </a:p>
-        </p:txBody>
-      </p:sp>
-      <p:cxnSp>
-        <p:nvCxnSpPr>
-          <p:cNvPr id="29" name="직선 화살표 연결선 28"/>
-          <p:cNvCxnSpPr/>
-          <p:nvPr/>
-        </p:nvCxnSpPr>
-        <p:spPr>
-          <a:xfrm flipV="1">
-            <a:off x="3940070" y="3032914"/>
-            <a:ext cx="1151168" cy="656264"/>
-          </a:xfrm>
-          <a:prstGeom prst="straightConnector1">
-            <a:avLst/>
-          </a:prstGeom>
-          <a:ln>
-            <a:solidFill>
-              <a:schemeClr val="tx1"/>
-            </a:solidFill>
-            <a:tailEnd type="triangle"/>
-          </a:ln>
-        </p:spPr>
-        <p:style>
-          <a:lnRef idx="1">
-            <a:schemeClr val="accent1"/>
-          </a:lnRef>
-          <a:fillRef idx="0">
-            <a:schemeClr val="accent1"/>
-          </a:fillRef>
-          <a:effectRef idx="0">
-            <a:schemeClr val="accent1"/>
-          </a:effectRef>
-          <a:fontRef idx="minor">
-            <a:schemeClr val="tx1"/>
-          </a:fontRef>
-        </p:style>
-      </p:cxnSp>
+      <p:graphicFrame>
+        <p:nvGraphicFramePr>
+          <p:cNvPr id="5" name="표 4"/>
+          <p:cNvGraphicFramePr>
+            <a:graphicFrameLocks noGrp="1"/>
+          </p:cNvGraphicFramePr>
+          <p:nvPr>
+            <p:extLst>
+              <p:ext uri="{D42A27DB-BD31-4B8C-83A1-F6EECF244321}">
+                <p14:modId xmlns:p14="http://schemas.microsoft.com/office/powerpoint/2010/main" val="699016643"/>
+              </p:ext>
+            </p:extLst>
+          </p:nvPr>
+        </p:nvGraphicFramePr>
+        <p:xfrm>
+          <a:off x="1596968" y="1920240"/>
+          <a:ext cx="8785628" cy="3567373"/>
+        </p:xfrm>
+        <a:graphic>
+          <a:graphicData uri="http://schemas.openxmlformats.org/drawingml/2006/table">
+            <a:tbl>
+              <a:tblPr firstRow="1" bandRow="1">
+                <a:tableStyleId>{5C22544A-7EE6-4342-B048-85BDC9FD1C3A}</a:tableStyleId>
+              </a:tblPr>
+              <a:tblGrid>
+                <a:gridCol w="2196407">
+                  <a:extLst>
+                    <a:ext uri="{9D8B030D-6E8A-4147-A177-3AD203B41FA5}">
+                      <a16:colId xmlns:a16="http://schemas.microsoft.com/office/drawing/2014/main" val="982887440"/>
+                    </a:ext>
+                  </a:extLst>
+                </a:gridCol>
+                <a:gridCol w="2196407">
+                  <a:extLst>
+                    <a:ext uri="{9D8B030D-6E8A-4147-A177-3AD203B41FA5}">
+                      <a16:colId xmlns:a16="http://schemas.microsoft.com/office/drawing/2014/main" val="4118073744"/>
+                    </a:ext>
+                  </a:extLst>
+                </a:gridCol>
+                <a:gridCol w="2196407">
+                  <a:extLst>
+                    <a:ext uri="{9D8B030D-6E8A-4147-A177-3AD203B41FA5}">
+                      <a16:colId xmlns:a16="http://schemas.microsoft.com/office/drawing/2014/main" val="2811776135"/>
+                    </a:ext>
+                  </a:extLst>
+                </a:gridCol>
+                <a:gridCol w="2196407">
+                  <a:extLst>
+                    <a:ext uri="{9D8B030D-6E8A-4147-A177-3AD203B41FA5}">
+                      <a16:colId xmlns:a16="http://schemas.microsoft.com/office/drawing/2014/main" val="1979298708"/>
+                    </a:ext>
+                  </a:extLst>
+                </a:gridCol>
+              </a:tblGrid>
+              <a:tr h="490564">
+                <a:tc>
+                  <a:txBody>
+                    <a:bodyPr/>
+                    <a:lstStyle/>
+                    <a:p>
+                      <a:pPr algn="ctr" latinLnBrk="1"/>
+                      <a:r>
+                        <a:rPr lang="ko-KR" altLang="en-US" sz="1300" dirty="0" err="1" smtClean="0"/>
+                        <a:t>필드명</a:t>
+                      </a:r>
+                      <a:endParaRPr lang="ko-KR" altLang="en-US" sz="1300" dirty="0"/>
+                    </a:p>
+                  </a:txBody>
+                  <a:tcPr anchor="ctr">
+                    <a:solidFill>
+                      <a:schemeClr val="tx1"/>
+                    </a:solidFill>
+                  </a:tcPr>
+                </a:tc>
+                <a:tc>
+                  <a:txBody>
+                    <a:bodyPr/>
+                    <a:lstStyle/>
+                    <a:p>
+                      <a:pPr algn="ctr" latinLnBrk="1"/>
+                      <a:r>
+                        <a:rPr lang="ko-KR" altLang="en-US" sz="1300" dirty="0" smtClean="0"/>
+                        <a:t>타입</a:t>
+                      </a:r>
+                      <a:endParaRPr lang="ko-KR" altLang="en-US" sz="1300" dirty="0"/>
+                    </a:p>
+                  </a:txBody>
+                  <a:tcPr anchor="ctr">
+                    <a:solidFill>
+                      <a:schemeClr val="tx1"/>
+                    </a:solidFill>
+                  </a:tcPr>
+                </a:tc>
+                <a:tc>
+                  <a:txBody>
+                    <a:bodyPr/>
+                    <a:lstStyle/>
+                    <a:p>
+                      <a:pPr algn="ctr" latinLnBrk="1"/>
+                      <a:r>
+                        <a:rPr lang="ko-KR" altLang="en-US" sz="1300" dirty="0" err="1" smtClean="0"/>
+                        <a:t>추가사항</a:t>
+                      </a:r>
+                      <a:endParaRPr lang="ko-KR" altLang="en-US" sz="1300" dirty="0"/>
+                    </a:p>
+                  </a:txBody>
+                  <a:tcPr anchor="ctr">
+                    <a:solidFill>
+                      <a:schemeClr val="tx1"/>
+                    </a:solidFill>
+                  </a:tcPr>
+                </a:tc>
+                <a:tc>
+                  <a:txBody>
+                    <a:bodyPr/>
+                    <a:lstStyle/>
+                    <a:p>
+                      <a:pPr algn="ctr" latinLnBrk="1"/>
+                      <a:r>
+                        <a:rPr lang="ko-KR" altLang="en-US" sz="1300" dirty="0" smtClean="0"/>
+                        <a:t>실행</a:t>
+                      </a:r>
+                      <a:endParaRPr lang="ko-KR" altLang="en-US" sz="1300" dirty="0"/>
+                    </a:p>
+                  </a:txBody>
+                  <a:tcPr anchor="ctr">
+                    <a:solidFill>
+                      <a:schemeClr val="tx1"/>
+                    </a:solidFill>
+                  </a:tcPr>
+                </a:tc>
+                <a:extLst>
+                  <a:ext uri="{0D108BD9-81ED-4DB2-BD59-A6C34878D82A}">
+                    <a16:rowId xmlns:a16="http://schemas.microsoft.com/office/drawing/2014/main" val="2832932282"/>
+                  </a:ext>
+                </a:extLst>
+              </a:tr>
+              <a:tr h="725766">
+                <a:tc>
+                  <a:txBody>
+                    <a:bodyPr/>
+                    <a:lstStyle/>
+                    <a:p>
+                      <a:pPr algn="ctr" latinLnBrk="1"/>
+                      <a:r>
+                        <a:rPr lang="en-US" altLang="ko-KR" sz="1300" dirty="0" smtClean="0">
+                          <a:solidFill>
+                            <a:schemeClr val="bg1"/>
+                          </a:solidFill>
+                        </a:rPr>
+                        <a:t>id</a:t>
+                      </a:r>
+                      <a:endParaRPr lang="ko-KR" altLang="en-US" sz="1300" dirty="0">
+                        <a:solidFill>
+                          <a:schemeClr val="bg1"/>
+                        </a:solidFill>
+                      </a:endParaRPr>
+                    </a:p>
+                  </a:txBody>
+                  <a:tcPr anchor="ctr">
+                    <a:solidFill>
+                      <a:schemeClr val="tx1">
+                        <a:lumMod val="50000"/>
+                        <a:lumOff val="50000"/>
+                      </a:schemeClr>
+                    </a:solidFill>
+                  </a:tcPr>
+                </a:tc>
+                <a:tc>
+                  <a:txBody>
+                    <a:bodyPr/>
+                    <a:lstStyle/>
+                    <a:p>
+                      <a:pPr algn="ctr" latinLnBrk="1"/>
+                      <a:r>
+                        <a:rPr lang="en-US" altLang="ko-KR" sz="1300" dirty="0" smtClean="0">
+                          <a:solidFill>
+                            <a:schemeClr val="bg1"/>
+                          </a:solidFill>
+                        </a:rPr>
+                        <a:t>Varchar(10)</a:t>
+                      </a:r>
+                      <a:endParaRPr lang="ko-KR" altLang="en-US" sz="1300" dirty="0">
+                        <a:solidFill>
+                          <a:schemeClr val="bg1"/>
+                        </a:solidFill>
+                      </a:endParaRPr>
+                    </a:p>
+                  </a:txBody>
+                  <a:tcPr anchor="ctr">
+                    <a:solidFill>
+                      <a:schemeClr val="tx1">
+                        <a:lumMod val="50000"/>
+                        <a:lumOff val="50000"/>
+                      </a:schemeClr>
+                    </a:solidFill>
+                  </a:tcPr>
+                </a:tc>
+                <a:tc>
+                  <a:txBody>
+                    <a:bodyPr/>
+                    <a:lstStyle/>
+                    <a:p>
+                      <a:pPr algn="ctr" latinLnBrk="1"/>
+                      <a:r>
+                        <a:rPr lang="en-US" altLang="ko-KR" sz="1300" dirty="0" smtClean="0">
+                          <a:solidFill>
+                            <a:schemeClr val="bg1"/>
+                          </a:solidFill>
+                        </a:rPr>
+                        <a:t>not null,</a:t>
+                      </a:r>
+                    </a:p>
+                    <a:p>
+                      <a:pPr algn="ctr" latinLnBrk="1"/>
+                      <a:r>
+                        <a:rPr lang="en-US" altLang="ko-KR" sz="1300" dirty="0" smtClean="0">
+                          <a:solidFill>
+                            <a:schemeClr val="bg1"/>
+                          </a:solidFill>
+                        </a:rPr>
+                        <a:t>Primary key</a:t>
+                      </a:r>
+                      <a:endParaRPr lang="ko-KR" altLang="en-US" sz="1300" dirty="0">
+                        <a:solidFill>
+                          <a:schemeClr val="bg1"/>
+                        </a:solidFill>
+                      </a:endParaRPr>
+                    </a:p>
+                  </a:txBody>
+                  <a:tcPr anchor="ctr">
+                    <a:solidFill>
+                      <a:schemeClr val="tx1">
+                        <a:lumMod val="50000"/>
+                        <a:lumOff val="50000"/>
+                      </a:schemeClr>
+                    </a:solidFill>
+                  </a:tcPr>
+                </a:tc>
+                <a:tc>
+                  <a:txBody>
+                    <a:bodyPr/>
+                    <a:lstStyle/>
+                    <a:p>
+                      <a:pPr algn="ctr" latinLnBrk="1"/>
+                      <a:r>
+                        <a:rPr lang="ko-KR" altLang="en-US" sz="1300" dirty="0" smtClean="0">
+                          <a:solidFill>
+                            <a:schemeClr val="bg1"/>
+                          </a:solidFill>
+                        </a:rPr>
+                        <a:t>아이디</a:t>
+                      </a:r>
+                      <a:endParaRPr lang="ko-KR" altLang="en-US" sz="1300" dirty="0">
+                        <a:solidFill>
+                          <a:schemeClr val="bg1"/>
+                        </a:solidFill>
+                      </a:endParaRPr>
+                    </a:p>
+                  </a:txBody>
+                  <a:tcPr anchor="ctr">
+                    <a:solidFill>
+                      <a:schemeClr val="tx1">
+                        <a:lumMod val="50000"/>
+                        <a:lumOff val="50000"/>
+                      </a:schemeClr>
+                    </a:solidFill>
+                  </a:tcPr>
+                </a:tc>
+                <a:extLst>
+                  <a:ext uri="{0D108BD9-81ED-4DB2-BD59-A6C34878D82A}">
+                    <a16:rowId xmlns:a16="http://schemas.microsoft.com/office/drawing/2014/main" val="1304721044"/>
+                  </a:ext>
+                </a:extLst>
+              </a:tr>
+              <a:tr h="657752">
+                <a:tc>
+                  <a:txBody>
+                    <a:bodyPr/>
+                    <a:lstStyle/>
+                    <a:p>
+                      <a:pPr algn="ctr" latinLnBrk="1"/>
+                      <a:r>
+                        <a:rPr lang="en-US" altLang="ko-KR" sz="1300" dirty="0" smtClean="0">
+                          <a:solidFill>
+                            <a:schemeClr val="bg1"/>
+                          </a:solidFill>
+                        </a:rPr>
+                        <a:t>pw</a:t>
+                      </a:r>
+                      <a:endParaRPr lang="ko-KR" altLang="en-US" sz="1300" dirty="0">
+                        <a:solidFill>
+                          <a:schemeClr val="bg1"/>
+                        </a:solidFill>
+                      </a:endParaRPr>
+                    </a:p>
+                  </a:txBody>
+                  <a:tcPr anchor="ctr">
+                    <a:solidFill>
+                      <a:schemeClr val="tx1">
+                        <a:lumMod val="50000"/>
+                        <a:lumOff val="50000"/>
+                      </a:schemeClr>
+                    </a:solidFill>
+                  </a:tcPr>
+                </a:tc>
+                <a:tc>
+                  <a:txBody>
+                    <a:bodyPr/>
+                    <a:lstStyle/>
+                    <a:p>
+                      <a:pPr marL="0" marR="0" indent="0" algn="ctr" defTabSz="914400" rtl="0" eaLnBrk="1" fontAlgn="auto" latinLnBrk="1" hangingPunct="1">
+                        <a:lnSpc>
+                          <a:spcPct val="100000"/>
+                        </a:lnSpc>
+                        <a:spcBef>
+                          <a:spcPts val="0"/>
+                        </a:spcBef>
+                        <a:spcAft>
+                          <a:spcPts val="0"/>
+                        </a:spcAft>
+                        <a:buClrTx/>
+                        <a:buSzTx/>
+                        <a:buFontTx/>
+                        <a:buNone/>
+                        <a:tabLst/>
+                        <a:defRPr/>
+                      </a:pPr>
+                      <a:r>
+                        <a:rPr lang="en-US" altLang="ko-KR" sz="1300" dirty="0" smtClean="0">
+                          <a:solidFill>
+                            <a:schemeClr val="bg1"/>
+                          </a:solidFill>
+                        </a:rPr>
+                        <a:t>Varchar(15)</a:t>
+                      </a:r>
+                      <a:endParaRPr lang="ko-KR" altLang="en-US" sz="1300" dirty="0" smtClean="0">
+                        <a:solidFill>
+                          <a:schemeClr val="bg1"/>
+                        </a:solidFill>
+                      </a:endParaRPr>
+                    </a:p>
+                  </a:txBody>
+                  <a:tcPr anchor="ctr">
+                    <a:solidFill>
+                      <a:schemeClr val="tx1">
+                        <a:lumMod val="50000"/>
+                        <a:lumOff val="50000"/>
+                      </a:schemeClr>
+                    </a:solidFill>
+                  </a:tcPr>
+                </a:tc>
+                <a:tc>
+                  <a:txBody>
+                    <a:bodyPr/>
+                    <a:lstStyle/>
+                    <a:p>
+                      <a:pPr algn="ctr" latinLnBrk="1"/>
+                      <a:r>
+                        <a:rPr lang="en-US" altLang="ko-KR" sz="1300" dirty="0" smtClean="0">
+                          <a:solidFill>
+                            <a:schemeClr val="bg1"/>
+                          </a:solidFill>
+                        </a:rPr>
+                        <a:t>not null</a:t>
+                      </a:r>
+                      <a:endParaRPr lang="ko-KR" altLang="en-US" sz="1300" dirty="0">
+                        <a:solidFill>
+                          <a:schemeClr val="bg1"/>
+                        </a:solidFill>
+                      </a:endParaRPr>
+                    </a:p>
+                  </a:txBody>
+                  <a:tcPr anchor="ctr">
+                    <a:solidFill>
+                      <a:schemeClr val="tx1">
+                        <a:lumMod val="50000"/>
+                        <a:lumOff val="50000"/>
+                      </a:schemeClr>
+                    </a:solidFill>
+                  </a:tcPr>
+                </a:tc>
+                <a:tc>
+                  <a:txBody>
+                    <a:bodyPr/>
+                    <a:lstStyle/>
+                    <a:p>
+                      <a:pPr algn="ctr" latinLnBrk="1"/>
+                      <a:r>
+                        <a:rPr lang="ko-KR" altLang="en-US" sz="1300" dirty="0" smtClean="0">
+                          <a:solidFill>
+                            <a:schemeClr val="bg1"/>
+                          </a:solidFill>
+                        </a:rPr>
+                        <a:t>비밀번호</a:t>
+                      </a:r>
+                      <a:endParaRPr lang="ko-KR" altLang="en-US" sz="1300" dirty="0">
+                        <a:solidFill>
+                          <a:schemeClr val="bg1"/>
+                        </a:solidFill>
+                      </a:endParaRPr>
+                    </a:p>
+                  </a:txBody>
+                  <a:tcPr anchor="ctr">
+                    <a:solidFill>
+                      <a:schemeClr val="tx1">
+                        <a:lumMod val="50000"/>
+                        <a:lumOff val="50000"/>
+                      </a:schemeClr>
+                    </a:solidFill>
+                  </a:tcPr>
+                </a:tc>
+                <a:extLst>
+                  <a:ext uri="{0D108BD9-81ED-4DB2-BD59-A6C34878D82A}">
+                    <a16:rowId xmlns:a16="http://schemas.microsoft.com/office/drawing/2014/main" val="3723727030"/>
+                  </a:ext>
+                </a:extLst>
+              </a:tr>
+              <a:tr h="626799">
+                <a:tc>
+                  <a:txBody>
+                    <a:bodyPr/>
+                    <a:lstStyle/>
+                    <a:p>
+                      <a:pPr algn="ctr" latinLnBrk="1"/>
+                      <a:r>
+                        <a:rPr lang="en-US" altLang="ko-KR" sz="1300" dirty="0" smtClean="0">
+                          <a:solidFill>
+                            <a:schemeClr val="bg1"/>
+                          </a:solidFill>
+                        </a:rPr>
+                        <a:t>name</a:t>
+                      </a:r>
+                      <a:endParaRPr lang="ko-KR" altLang="en-US" sz="1300" dirty="0">
+                        <a:solidFill>
+                          <a:schemeClr val="bg1"/>
+                        </a:solidFill>
+                      </a:endParaRPr>
+                    </a:p>
+                  </a:txBody>
+                  <a:tcPr anchor="ctr">
+                    <a:solidFill>
+                      <a:schemeClr val="tx1">
+                        <a:lumMod val="50000"/>
+                        <a:lumOff val="50000"/>
+                      </a:schemeClr>
+                    </a:solidFill>
+                  </a:tcPr>
+                </a:tc>
+                <a:tc>
+                  <a:txBody>
+                    <a:bodyPr/>
+                    <a:lstStyle/>
+                    <a:p>
+                      <a:pPr marL="0" marR="0" indent="0" algn="ctr" defTabSz="914400" rtl="0" eaLnBrk="1" fontAlgn="auto" latinLnBrk="1" hangingPunct="1">
+                        <a:lnSpc>
+                          <a:spcPct val="100000"/>
+                        </a:lnSpc>
+                        <a:spcBef>
+                          <a:spcPts val="0"/>
+                        </a:spcBef>
+                        <a:spcAft>
+                          <a:spcPts val="0"/>
+                        </a:spcAft>
+                        <a:buClrTx/>
+                        <a:buSzTx/>
+                        <a:buFontTx/>
+                        <a:buNone/>
+                        <a:tabLst/>
+                        <a:defRPr/>
+                      </a:pPr>
+                      <a:r>
+                        <a:rPr lang="en-US" altLang="ko-KR" sz="1300" dirty="0" smtClean="0">
+                          <a:solidFill>
+                            <a:schemeClr val="bg1"/>
+                          </a:solidFill>
+                        </a:rPr>
+                        <a:t>Varchar(10)</a:t>
+                      </a:r>
+                      <a:endParaRPr lang="ko-KR" altLang="en-US" sz="1300" dirty="0" smtClean="0">
+                        <a:solidFill>
+                          <a:schemeClr val="bg1"/>
+                        </a:solidFill>
+                      </a:endParaRPr>
+                    </a:p>
+                  </a:txBody>
+                  <a:tcPr anchor="ctr">
+                    <a:solidFill>
+                      <a:schemeClr val="tx1">
+                        <a:lumMod val="50000"/>
+                        <a:lumOff val="50000"/>
+                      </a:schemeClr>
+                    </a:solidFill>
+                  </a:tcPr>
+                </a:tc>
+                <a:tc>
+                  <a:txBody>
+                    <a:bodyPr/>
+                    <a:lstStyle/>
+                    <a:p>
+                      <a:pPr marL="0" marR="0" indent="0" algn="ctr" defTabSz="914400" rtl="0" eaLnBrk="1" fontAlgn="auto" latinLnBrk="1" hangingPunct="1">
+                        <a:lnSpc>
+                          <a:spcPct val="100000"/>
+                        </a:lnSpc>
+                        <a:spcBef>
+                          <a:spcPts val="0"/>
+                        </a:spcBef>
+                        <a:spcAft>
+                          <a:spcPts val="0"/>
+                        </a:spcAft>
+                        <a:buClrTx/>
+                        <a:buSzTx/>
+                        <a:buFontTx/>
+                        <a:buNone/>
+                        <a:tabLst/>
+                        <a:defRPr/>
+                      </a:pPr>
+                      <a:r>
+                        <a:rPr lang="en-US" altLang="ko-KR" sz="1300" dirty="0" smtClean="0">
+                          <a:solidFill>
+                            <a:schemeClr val="bg1"/>
+                          </a:solidFill>
+                        </a:rPr>
+                        <a:t>not null</a:t>
+                      </a:r>
+                      <a:endParaRPr lang="ko-KR" altLang="en-US" sz="1300" dirty="0" smtClean="0">
+                        <a:solidFill>
+                          <a:schemeClr val="bg1"/>
+                        </a:solidFill>
+                      </a:endParaRPr>
+                    </a:p>
+                  </a:txBody>
+                  <a:tcPr anchor="ctr">
+                    <a:solidFill>
+                      <a:schemeClr val="tx1">
+                        <a:lumMod val="50000"/>
+                        <a:lumOff val="50000"/>
+                      </a:schemeClr>
+                    </a:solidFill>
+                  </a:tcPr>
+                </a:tc>
+                <a:tc>
+                  <a:txBody>
+                    <a:bodyPr/>
+                    <a:lstStyle/>
+                    <a:p>
+                      <a:pPr algn="ctr" latinLnBrk="1"/>
+                      <a:r>
+                        <a:rPr lang="ko-KR" altLang="en-US" sz="1300" dirty="0" smtClean="0">
+                          <a:solidFill>
+                            <a:schemeClr val="bg1"/>
+                          </a:solidFill>
+                        </a:rPr>
+                        <a:t>이름</a:t>
+                      </a:r>
+                      <a:endParaRPr lang="ko-KR" altLang="en-US" sz="1300" dirty="0">
+                        <a:solidFill>
+                          <a:schemeClr val="bg1"/>
+                        </a:solidFill>
+                      </a:endParaRPr>
+                    </a:p>
+                  </a:txBody>
+                  <a:tcPr anchor="ctr">
+                    <a:solidFill>
+                      <a:schemeClr val="tx1">
+                        <a:lumMod val="50000"/>
+                        <a:lumOff val="50000"/>
+                      </a:schemeClr>
+                    </a:solidFill>
+                  </a:tcPr>
+                </a:tc>
+                <a:extLst>
+                  <a:ext uri="{0D108BD9-81ED-4DB2-BD59-A6C34878D82A}">
+                    <a16:rowId xmlns:a16="http://schemas.microsoft.com/office/drawing/2014/main" val="3094188793"/>
+                  </a:ext>
+                </a:extLst>
+              </a:tr>
+              <a:tr h="575928">
+                <a:tc>
+                  <a:txBody>
+                    <a:bodyPr/>
+                    <a:lstStyle/>
+                    <a:p>
+                      <a:pPr algn="ctr" latinLnBrk="1"/>
+                      <a:r>
+                        <a:rPr lang="en-US" altLang="ko-KR" sz="1300" dirty="0" err="1" smtClean="0">
+                          <a:solidFill>
+                            <a:schemeClr val="bg1"/>
+                          </a:solidFill>
+                        </a:rPr>
+                        <a:t>hp</a:t>
+                      </a:r>
+                      <a:endParaRPr lang="ko-KR" altLang="en-US" sz="1300" dirty="0">
+                        <a:solidFill>
+                          <a:schemeClr val="bg1"/>
+                        </a:solidFill>
+                      </a:endParaRPr>
+                    </a:p>
+                  </a:txBody>
+                  <a:tcPr anchor="ctr">
+                    <a:solidFill>
+                      <a:schemeClr val="tx1">
+                        <a:lumMod val="50000"/>
+                        <a:lumOff val="50000"/>
+                      </a:schemeClr>
+                    </a:solidFill>
+                  </a:tcPr>
+                </a:tc>
+                <a:tc>
+                  <a:txBody>
+                    <a:bodyPr/>
+                    <a:lstStyle/>
+                    <a:p>
+                      <a:pPr marL="0" marR="0" indent="0" algn="ctr" defTabSz="914400" rtl="0" eaLnBrk="1" fontAlgn="auto" latinLnBrk="1" hangingPunct="1">
+                        <a:lnSpc>
+                          <a:spcPct val="100000"/>
+                        </a:lnSpc>
+                        <a:spcBef>
+                          <a:spcPts val="0"/>
+                        </a:spcBef>
+                        <a:spcAft>
+                          <a:spcPts val="0"/>
+                        </a:spcAft>
+                        <a:buClrTx/>
+                        <a:buSzTx/>
+                        <a:buFontTx/>
+                        <a:buNone/>
+                        <a:tabLst/>
+                        <a:defRPr/>
+                      </a:pPr>
+                      <a:r>
+                        <a:rPr lang="en-US" altLang="ko-KR" sz="1300" dirty="0" smtClean="0">
+                          <a:solidFill>
+                            <a:schemeClr val="bg1"/>
+                          </a:solidFill>
+                        </a:rPr>
+                        <a:t>Varchar(25)</a:t>
+                      </a:r>
+                      <a:endParaRPr lang="ko-KR" altLang="en-US" sz="1300" dirty="0" smtClean="0">
+                        <a:solidFill>
+                          <a:schemeClr val="bg1"/>
+                        </a:solidFill>
+                      </a:endParaRPr>
+                    </a:p>
+                  </a:txBody>
+                  <a:tcPr anchor="ctr">
+                    <a:solidFill>
+                      <a:schemeClr val="tx1">
+                        <a:lumMod val="50000"/>
+                        <a:lumOff val="50000"/>
+                      </a:schemeClr>
+                    </a:solidFill>
+                  </a:tcPr>
+                </a:tc>
+                <a:tc>
+                  <a:txBody>
+                    <a:bodyPr/>
+                    <a:lstStyle/>
+                    <a:p>
+                      <a:pPr marL="0" marR="0" indent="0" algn="ctr" defTabSz="914400" rtl="0" eaLnBrk="1" fontAlgn="auto" latinLnBrk="1" hangingPunct="1">
+                        <a:lnSpc>
+                          <a:spcPct val="100000"/>
+                        </a:lnSpc>
+                        <a:spcBef>
+                          <a:spcPts val="0"/>
+                        </a:spcBef>
+                        <a:spcAft>
+                          <a:spcPts val="0"/>
+                        </a:spcAft>
+                        <a:buClrTx/>
+                        <a:buSzTx/>
+                        <a:buFontTx/>
+                        <a:buNone/>
+                        <a:tabLst/>
+                        <a:defRPr/>
+                      </a:pPr>
+                      <a:r>
+                        <a:rPr lang="en-US" altLang="ko-KR" sz="1300" dirty="0" smtClean="0">
+                          <a:solidFill>
+                            <a:schemeClr val="bg1"/>
+                          </a:solidFill>
+                        </a:rPr>
+                        <a:t>not null</a:t>
+                      </a:r>
+                      <a:endParaRPr lang="ko-KR" altLang="en-US" sz="1300" dirty="0" smtClean="0">
+                        <a:solidFill>
+                          <a:schemeClr val="bg1"/>
+                        </a:solidFill>
+                      </a:endParaRPr>
+                    </a:p>
+                  </a:txBody>
+                  <a:tcPr anchor="ctr">
+                    <a:solidFill>
+                      <a:schemeClr val="tx1">
+                        <a:lumMod val="50000"/>
+                        <a:lumOff val="50000"/>
+                      </a:schemeClr>
+                    </a:solidFill>
+                  </a:tcPr>
+                </a:tc>
+                <a:tc>
+                  <a:txBody>
+                    <a:bodyPr/>
+                    <a:lstStyle/>
+                    <a:p>
+                      <a:pPr algn="ctr" latinLnBrk="1"/>
+                      <a:r>
+                        <a:rPr lang="ko-KR" altLang="en-US" sz="1300" dirty="0" smtClean="0">
+                          <a:solidFill>
+                            <a:schemeClr val="bg1"/>
+                          </a:solidFill>
+                        </a:rPr>
+                        <a:t>핸드폰 번호</a:t>
+                      </a:r>
+                      <a:endParaRPr lang="ko-KR" altLang="en-US" sz="1300" dirty="0">
+                        <a:solidFill>
+                          <a:schemeClr val="bg1"/>
+                        </a:solidFill>
+                      </a:endParaRPr>
+                    </a:p>
+                  </a:txBody>
+                  <a:tcPr anchor="ctr">
+                    <a:solidFill>
+                      <a:schemeClr val="tx1">
+                        <a:lumMod val="50000"/>
+                        <a:lumOff val="50000"/>
+                      </a:schemeClr>
+                    </a:solidFill>
+                  </a:tcPr>
+                </a:tc>
+                <a:extLst>
+                  <a:ext uri="{0D108BD9-81ED-4DB2-BD59-A6C34878D82A}">
+                    <a16:rowId xmlns:a16="http://schemas.microsoft.com/office/drawing/2014/main" val="2047231359"/>
+                  </a:ext>
+                </a:extLst>
+              </a:tr>
+              <a:tr h="490564">
+                <a:tc>
+                  <a:txBody>
+                    <a:bodyPr/>
+                    <a:lstStyle/>
+                    <a:p>
+                      <a:pPr algn="ctr" latinLnBrk="1"/>
+                      <a:r>
+                        <a:rPr lang="en-US" altLang="ko-KR" sz="1300" dirty="0" smtClean="0">
+                          <a:solidFill>
+                            <a:schemeClr val="bg1"/>
+                          </a:solidFill>
+                        </a:rPr>
+                        <a:t>email</a:t>
+                      </a:r>
+                      <a:endParaRPr lang="ko-KR" altLang="en-US" sz="1300" dirty="0">
+                        <a:solidFill>
+                          <a:schemeClr val="bg1"/>
+                        </a:solidFill>
+                      </a:endParaRPr>
+                    </a:p>
+                  </a:txBody>
+                  <a:tcPr anchor="ctr">
+                    <a:solidFill>
+                      <a:schemeClr val="tx1">
+                        <a:lumMod val="50000"/>
+                        <a:lumOff val="50000"/>
+                      </a:schemeClr>
+                    </a:solidFill>
+                  </a:tcPr>
+                </a:tc>
+                <a:tc>
+                  <a:txBody>
+                    <a:bodyPr/>
+                    <a:lstStyle/>
+                    <a:p>
+                      <a:pPr marL="0" marR="0" indent="0" algn="ctr" defTabSz="914400" rtl="0" eaLnBrk="1" fontAlgn="auto" latinLnBrk="1" hangingPunct="1">
+                        <a:lnSpc>
+                          <a:spcPct val="100000"/>
+                        </a:lnSpc>
+                        <a:spcBef>
+                          <a:spcPts val="0"/>
+                        </a:spcBef>
+                        <a:spcAft>
+                          <a:spcPts val="0"/>
+                        </a:spcAft>
+                        <a:buClrTx/>
+                        <a:buSzTx/>
+                        <a:buFontTx/>
+                        <a:buNone/>
+                        <a:tabLst/>
+                        <a:defRPr/>
+                      </a:pPr>
+                      <a:r>
+                        <a:rPr lang="en-US" altLang="ko-KR" sz="1300" dirty="0" smtClean="0">
+                          <a:solidFill>
+                            <a:schemeClr val="bg1"/>
+                          </a:solidFill>
+                        </a:rPr>
+                        <a:t>Varchar(35)</a:t>
+                      </a:r>
+                      <a:endParaRPr lang="ko-KR" altLang="en-US" sz="1300" dirty="0" smtClean="0">
+                        <a:solidFill>
+                          <a:schemeClr val="bg1"/>
+                        </a:solidFill>
+                      </a:endParaRPr>
+                    </a:p>
+                  </a:txBody>
+                  <a:tcPr anchor="ctr">
+                    <a:solidFill>
+                      <a:schemeClr val="tx1">
+                        <a:lumMod val="50000"/>
+                        <a:lumOff val="50000"/>
+                      </a:schemeClr>
+                    </a:solidFill>
+                  </a:tcPr>
+                </a:tc>
+                <a:tc>
+                  <a:txBody>
+                    <a:bodyPr/>
+                    <a:lstStyle/>
+                    <a:p>
+                      <a:pPr marL="0" marR="0" indent="0" algn="ctr" defTabSz="914400" rtl="0" eaLnBrk="1" fontAlgn="auto" latinLnBrk="1" hangingPunct="1">
+                        <a:lnSpc>
+                          <a:spcPct val="100000"/>
+                        </a:lnSpc>
+                        <a:spcBef>
+                          <a:spcPts val="0"/>
+                        </a:spcBef>
+                        <a:spcAft>
+                          <a:spcPts val="0"/>
+                        </a:spcAft>
+                        <a:buClrTx/>
+                        <a:buSzTx/>
+                        <a:buFontTx/>
+                        <a:buNone/>
+                        <a:tabLst/>
+                        <a:defRPr/>
+                      </a:pPr>
+                      <a:r>
+                        <a:rPr lang="en-US" altLang="ko-KR" sz="1300" dirty="0" smtClean="0">
+                          <a:solidFill>
+                            <a:schemeClr val="bg1"/>
+                          </a:solidFill>
+                        </a:rPr>
+                        <a:t>not null</a:t>
+                      </a:r>
+                      <a:endParaRPr lang="ko-KR" altLang="en-US" sz="1300" dirty="0" smtClean="0">
+                        <a:solidFill>
+                          <a:schemeClr val="bg1"/>
+                        </a:solidFill>
+                      </a:endParaRPr>
+                    </a:p>
+                  </a:txBody>
+                  <a:tcPr anchor="ctr">
+                    <a:solidFill>
+                      <a:schemeClr val="tx1">
+                        <a:lumMod val="50000"/>
+                        <a:lumOff val="50000"/>
+                      </a:schemeClr>
+                    </a:solidFill>
+                  </a:tcPr>
+                </a:tc>
+                <a:tc>
+                  <a:txBody>
+                    <a:bodyPr/>
+                    <a:lstStyle/>
+                    <a:p>
+                      <a:pPr algn="ctr" latinLnBrk="1"/>
+                      <a:r>
+                        <a:rPr lang="ko-KR" altLang="en-US" sz="1300" dirty="0" smtClean="0">
+                          <a:solidFill>
+                            <a:schemeClr val="bg1"/>
+                          </a:solidFill>
+                        </a:rPr>
+                        <a:t>이메일</a:t>
+                      </a:r>
+                      <a:endParaRPr lang="ko-KR" altLang="en-US" sz="1300" dirty="0">
+                        <a:solidFill>
+                          <a:schemeClr val="bg1"/>
+                        </a:solidFill>
+                      </a:endParaRPr>
+                    </a:p>
+                  </a:txBody>
+                  <a:tcPr anchor="ctr">
+                    <a:solidFill>
+                      <a:schemeClr val="tx1">
+                        <a:lumMod val="50000"/>
+                        <a:lumOff val="50000"/>
+                      </a:schemeClr>
+                    </a:solidFill>
+                  </a:tcPr>
+                </a:tc>
+                <a:extLst>
+                  <a:ext uri="{0D108BD9-81ED-4DB2-BD59-A6C34878D82A}">
+                    <a16:rowId xmlns:a16="http://schemas.microsoft.com/office/drawing/2014/main" val="2712027637"/>
+                  </a:ext>
+                </a:extLst>
+              </a:tr>
+            </a:tbl>
+          </a:graphicData>
+        </a:graphic>
+      </p:graphicFrame>
     </p:spTree>
     <p:extLst>
       <p:ext uri="{BB962C8B-B14F-4D97-AF65-F5344CB8AC3E}">
-        <p14:creationId xmlns:p14="http://schemas.microsoft.com/office/powerpoint/2010/main" val="548142250"/>
+        <p14:creationId xmlns:p14="http://schemas.microsoft.com/office/powerpoint/2010/main" val="4186611249"/>
       </p:ext>
     </p:extLst>
   </p:cSld>
@@ -6899,58 +6446,6 @@
       </p:grpSpPr>
       <p:sp>
         <p:nvSpPr>
-          <p:cNvPr id="50" name="다이아몬드 49">
-            <a:extLst>
-              <a:ext uri="{FF2B5EF4-FFF2-40B4-BE49-F238E27FC236}">
-                <a16:creationId xmlns:a16="http://schemas.microsoft.com/office/drawing/2014/main" id="{FF901B1D-7175-437D-A9A4-BC2E154574D5}"/>
-              </a:ext>
-            </a:extLst>
-          </p:cNvPr>
-          <p:cNvSpPr/>
-          <p:nvPr/>
-        </p:nvSpPr>
-        <p:spPr>
-          <a:xfrm>
-            <a:off x="7567537" y="2480588"/>
-            <a:ext cx="1635995" cy="698351"/>
-          </a:xfrm>
-          <a:prstGeom prst="diamond">
-            <a:avLst/>
-          </a:prstGeom>
-          <a:solidFill>
-            <a:schemeClr val="tx1"/>
-          </a:solidFill>
-          <a:ln w="19050">
-            <a:noFill/>
-          </a:ln>
-        </p:spPr>
-        <p:style>
-          <a:lnRef idx="2">
-            <a:schemeClr val="accent1">
-              <a:shade val="50000"/>
-            </a:schemeClr>
-          </a:lnRef>
-          <a:fillRef idx="1">
-            <a:schemeClr val="accent1"/>
-          </a:fillRef>
-          <a:effectRef idx="0">
-            <a:schemeClr val="accent1"/>
-          </a:effectRef>
-          <a:fontRef idx="minor">
-            <a:schemeClr val="lt1"/>
-          </a:fontRef>
-        </p:style>
-        <p:txBody>
-          <a:bodyPr rtlCol="0" anchor="ctr"/>
-          <a:lstStyle/>
-          <a:p>
-            <a:pPr algn="ctr"/>
-            <a:endParaRPr lang="ko-KR" altLang="en-US" sz="1100" b="1"/>
-          </a:p>
-        </p:txBody>
-      </p:sp>
-      <p:sp>
-        <p:nvSpPr>
           <p:cNvPr id="9" name="모서리가 둥근 직사각형 2">
             <a:extLst>
               <a:ext uri="{FF2B5EF4-FFF2-40B4-BE49-F238E27FC236}">
@@ -6963,7 +6458,7 @@
         </p:nvSpPr>
         <p:spPr>
           <a:xfrm>
-            <a:off x="1479831" y="1637629"/>
+            <a:off x="1522287" y="2419025"/>
             <a:ext cx="1038045" cy="521366"/>
           </a:xfrm>
           <a:prstGeom prst="roundRect">
@@ -7000,18 +6495,13 @@
           <a:p>
             <a:pPr algn="ctr"/>
             <a:r>
-              <a:rPr lang="ko-KR" altLang="en-US" sz="1100" b="1" dirty="0" smtClean="0">
+              <a:rPr lang="ko-KR" altLang="en-US" sz="1100" b="1" dirty="0">
                 <a:solidFill>
                   <a:schemeClr val="bg1"/>
                 </a:solidFill>
               </a:rPr>
-              <a:t>홈 페이지</a:t>
-            </a:r>
-            <a:endParaRPr lang="ko-KR" altLang="en-US" sz="1100" b="1" dirty="0">
-              <a:solidFill>
-                <a:schemeClr val="bg1"/>
-              </a:solidFill>
-            </a:endParaRPr>
+              <a:t>앱 실행</a:t>
+            </a:r>
           </a:p>
         </p:txBody>
       </p:sp>
@@ -7029,7 +6519,7 @@
         </p:nvSpPr>
         <p:spPr>
           <a:xfrm>
-            <a:off x="1479831" y="2579085"/>
+            <a:off x="2969146" y="2443964"/>
             <a:ext cx="1076325" cy="496765"/>
           </a:xfrm>
           <a:prstGeom prst="rect">
@@ -7083,7 +6573,7 @@
         </p:nvSpPr>
         <p:spPr>
           <a:xfrm>
-            <a:off x="3002468" y="4133501"/>
+            <a:off x="3685234" y="3347254"/>
             <a:ext cx="509672" cy="261610"/>
           </a:xfrm>
           <a:prstGeom prst="rect">
@@ -7127,7 +6617,7 @@
         </p:nvSpPr>
         <p:spPr>
           <a:xfrm>
-            <a:off x="4085837" y="3495397"/>
+            <a:off x="3472315" y="4095992"/>
             <a:ext cx="573927" cy="261610"/>
           </a:xfrm>
           <a:prstGeom prst="rect">
@@ -7171,7 +6661,7 @@
         </p:nvSpPr>
         <p:spPr>
           <a:xfrm>
-            <a:off x="1616421" y="2689524"/>
+            <a:off x="3105736" y="2554403"/>
             <a:ext cx="802588" cy="261610"/>
           </a:xfrm>
           <a:prstGeom prst="rect">
@@ -7187,7 +6677,7 @@
             <a:pPr algn="ctr"/>
             <a:r>
               <a:rPr lang="ko-KR" altLang="en-US" sz="1100" b="1" dirty="0" smtClean="0"/>
-              <a:t>회원가입</a:t>
+              <a:t>로그인</a:t>
             </a:r>
             <a:endParaRPr lang="ko-KR" altLang="en-US" sz="1100" b="1" dirty="0"/>
           </a:p>
@@ -7232,7 +6722,7 @@
         <p:spPr>
           <a:xfrm>
             <a:off x="174567" y="706551"/>
-            <a:ext cx="2526654" cy="307777"/>
+            <a:ext cx="2347117" cy="307777"/>
           </a:xfrm>
           <a:prstGeom prst="rect">
             <a:avLst/>
@@ -7247,7 +6737,7 @@
           <a:p>
             <a:r>
               <a:rPr lang="ko-KR" altLang="en-US" sz="1400" dirty="0" smtClean="0"/>
-              <a:t>회원가입 페이지 </a:t>
+              <a:t>로그인 페이지 </a:t>
             </a:r>
             <a:r>
               <a:rPr lang="ko-KR" altLang="en-US" sz="1400" dirty="0" err="1" smtClean="0"/>
@@ -7275,7 +6765,7 @@
         </p:nvSpPr>
         <p:spPr>
           <a:xfrm>
-            <a:off x="1437894" y="3576206"/>
+            <a:off x="4627724" y="2443964"/>
             <a:ext cx="1076325" cy="496765"/>
           </a:xfrm>
           <a:prstGeom prst="rect">
@@ -7329,7 +6819,7 @@
         </p:nvSpPr>
         <p:spPr>
           <a:xfrm>
-            <a:off x="1574484" y="3686645"/>
+            <a:off x="4764314" y="2554403"/>
             <a:ext cx="802588" cy="261610"/>
           </a:xfrm>
           <a:prstGeom prst="rect">
@@ -7369,7 +6859,7 @@
         </p:nvSpPr>
         <p:spPr>
           <a:xfrm>
-            <a:off x="4565248" y="2572330"/>
+            <a:off x="6286302" y="2443964"/>
             <a:ext cx="1076325" cy="496765"/>
           </a:xfrm>
           <a:prstGeom prst="rect">
@@ -7423,7 +6913,7 @@
         </p:nvSpPr>
         <p:spPr>
           <a:xfrm>
-            <a:off x="4701838" y="2682769"/>
+            <a:off x="6422892" y="2554403"/>
             <a:ext cx="802588" cy="261610"/>
           </a:xfrm>
           <a:prstGeom prst="rect">
@@ -7446,6 +6936,60 @@
               <a:t>입력</a:t>
             </a:r>
             <a:endParaRPr lang="ko-KR" altLang="en-US" sz="1100" b="1" dirty="0"/>
+          </a:p>
+        </p:txBody>
+      </p:sp>
+      <p:sp>
+        <p:nvSpPr>
+          <p:cNvPr id="67" name="직사각형 66">
+            <a:extLst>
+              <a:ext uri="{FF2B5EF4-FFF2-40B4-BE49-F238E27FC236}">
+                <a16:creationId xmlns:a16="http://schemas.microsoft.com/office/drawing/2014/main" id="{B7000EB6-1A6A-4621-80A0-1F65AAF10BFD}"/>
+              </a:ext>
+            </a:extLst>
+          </p:cNvPr>
+          <p:cNvSpPr/>
+          <p:nvPr/>
+        </p:nvSpPr>
+        <p:spPr>
+          <a:xfrm>
+            <a:off x="7944880" y="2443964"/>
+            <a:ext cx="1076325" cy="496765"/>
+          </a:xfrm>
+          <a:prstGeom prst="rect">
+            <a:avLst/>
+          </a:prstGeom>
+          <a:solidFill>
+            <a:schemeClr val="bg1">
+              <a:lumMod val="85000"/>
+            </a:schemeClr>
+          </a:solidFill>
+          <a:ln w="19050">
+            <a:noFill/>
+          </a:ln>
+        </p:spPr>
+        <p:style>
+          <a:lnRef idx="2">
+            <a:schemeClr val="accent1">
+              <a:shade val="50000"/>
+            </a:schemeClr>
+          </a:lnRef>
+          <a:fillRef idx="1">
+            <a:schemeClr val="accent1"/>
+          </a:fillRef>
+          <a:effectRef idx="0">
+            <a:schemeClr val="accent1"/>
+          </a:effectRef>
+          <a:fontRef idx="minor">
+            <a:schemeClr val="lt1"/>
+          </a:fontRef>
+        </p:style>
+        <p:txBody>
+          <a:bodyPr rtlCol="0" anchor="ctr"/>
+          <a:lstStyle/>
+          <a:p>
+            <a:pPr algn="ctr"/>
+            <a:endParaRPr lang="ko-KR" altLang="en-US" sz="1100" b="1"/>
           </a:p>
         </p:txBody>
       </p:sp>
@@ -7463,6 +7007,1457 @@
         </p:nvSpPr>
         <p:spPr>
           <a:xfrm>
+            <a:off x="8006653" y="2503355"/>
+            <a:ext cx="989613" cy="369332"/>
+          </a:xfrm>
+          <a:prstGeom prst="rect">
+            <a:avLst/>
+          </a:prstGeom>
+        </p:spPr>
+        <p:txBody>
+          <a:bodyPr wrap="square">
+            <a:spAutoFit/>
+          </a:bodyPr>
+          <a:lstStyle/>
+          <a:p>
+            <a:pPr algn="ctr"/>
+            <a:r>
+              <a:rPr lang="en-US" altLang="ko-KR" sz="900" b="1" dirty="0" smtClean="0"/>
+              <a:t>ID/PW </a:t>
+            </a:r>
+            <a:r>
+              <a:rPr lang="ko-KR" altLang="en-US" sz="900" b="1" dirty="0" smtClean="0"/>
+              <a:t>값</a:t>
+            </a:r>
+            <a:endParaRPr lang="en-US" altLang="ko-KR" sz="900" b="1" dirty="0" smtClean="0"/>
+          </a:p>
+          <a:p>
+            <a:pPr algn="ctr"/>
+            <a:r>
+              <a:rPr lang="ko-KR" altLang="en-US" sz="900" b="1" dirty="0" smtClean="0"/>
+              <a:t>중복 확인 여부</a:t>
+            </a:r>
+            <a:endParaRPr lang="ko-KR" altLang="en-US" sz="900" b="1" dirty="0"/>
+          </a:p>
+        </p:txBody>
+      </p:sp>
+      <p:sp>
+        <p:nvSpPr>
+          <p:cNvPr id="69" name="모서리가 둥근 직사각형 2">
+            <a:extLst>
+              <a:ext uri="{FF2B5EF4-FFF2-40B4-BE49-F238E27FC236}">
+                <a16:creationId xmlns:a16="http://schemas.microsoft.com/office/drawing/2014/main" id="{3A211156-50E1-4650-8D04-816357CBA00A}"/>
+              </a:ext>
+            </a:extLst>
+          </p:cNvPr>
+          <p:cNvSpPr/>
+          <p:nvPr/>
+        </p:nvSpPr>
+        <p:spPr>
+          <a:xfrm>
+            <a:off x="9603458" y="2419025"/>
+            <a:ext cx="1125508" cy="521366"/>
+          </a:xfrm>
+          <a:prstGeom prst="roundRect">
+            <a:avLst>
+              <a:gd name="adj" fmla="val 47667"/>
+            </a:avLst>
+          </a:prstGeom>
+          <a:solidFill>
+            <a:schemeClr val="tx1"/>
+          </a:solidFill>
+          <a:ln w="19050">
+            <a:noFill/>
+          </a:ln>
+        </p:spPr>
+        <p:style>
+          <a:lnRef idx="2">
+            <a:schemeClr val="accent1">
+              <a:shade val="50000"/>
+            </a:schemeClr>
+          </a:lnRef>
+          <a:fillRef idx="1">
+            <a:schemeClr val="accent1"/>
+          </a:fillRef>
+          <a:effectRef idx="0">
+            <a:schemeClr val="accent1"/>
+          </a:effectRef>
+          <a:fontRef idx="minor">
+            <a:schemeClr val="lt1"/>
+          </a:fontRef>
+        </p:style>
+        <p:txBody>
+          <a:bodyPr rtlCol="0" anchor="ctr"/>
+          <a:lstStyle/>
+          <a:p>
+            <a:pPr algn="ctr"/>
+            <a:r>
+              <a:rPr lang="ko-KR" altLang="en-US" sz="1100" b="1" smtClean="0">
+                <a:solidFill>
+                  <a:schemeClr val="bg1"/>
+                </a:solidFill>
+              </a:rPr>
+              <a:t>로그인 성공</a:t>
+            </a:r>
+            <a:endParaRPr lang="ko-KR" altLang="en-US" sz="1100" b="1" dirty="0">
+              <a:solidFill>
+                <a:schemeClr val="bg1"/>
+              </a:solidFill>
+            </a:endParaRPr>
+          </a:p>
+        </p:txBody>
+      </p:sp>
+      <p:sp>
+        <p:nvSpPr>
+          <p:cNvPr id="70" name="다이아몬드 69">
+            <a:extLst>
+              <a:ext uri="{FF2B5EF4-FFF2-40B4-BE49-F238E27FC236}">
+                <a16:creationId xmlns:a16="http://schemas.microsoft.com/office/drawing/2014/main" id="{FF901B1D-7175-437D-A9A4-BC2E154574D5}"/>
+              </a:ext>
+            </a:extLst>
+          </p:cNvPr>
+          <p:cNvSpPr/>
+          <p:nvPr/>
+        </p:nvSpPr>
+        <p:spPr>
+          <a:xfrm>
+            <a:off x="2868243" y="3503692"/>
+            <a:ext cx="1283311" cy="642791"/>
+          </a:xfrm>
+          <a:prstGeom prst="diamond">
+            <a:avLst/>
+          </a:prstGeom>
+          <a:solidFill>
+            <a:schemeClr val="tx1"/>
+          </a:solidFill>
+          <a:ln w="19050">
+            <a:noFill/>
+          </a:ln>
+        </p:spPr>
+        <p:style>
+          <a:lnRef idx="2">
+            <a:schemeClr val="accent1">
+              <a:shade val="50000"/>
+            </a:schemeClr>
+          </a:lnRef>
+          <a:fillRef idx="1">
+            <a:schemeClr val="accent1"/>
+          </a:fillRef>
+          <a:effectRef idx="0">
+            <a:schemeClr val="accent1"/>
+          </a:effectRef>
+          <a:fontRef idx="minor">
+            <a:schemeClr val="lt1"/>
+          </a:fontRef>
+        </p:style>
+        <p:txBody>
+          <a:bodyPr rtlCol="0" anchor="ctr"/>
+          <a:lstStyle/>
+          <a:p>
+            <a:pPr algn="ctr"/>
+            <a:endParaRPr lang="ko-KR" altLang="en-US" sz="1100" b="1"/>
+          </a:p>
+        </p:txBody>
+      </p:sp>
+      <p:sp>
+        <p:nvSpPr>
+          <p:cNvPr id="71" name="직사각형 70">
+            <a:extLst>
+              <a:ext uri="{FF2B5EF4-FFF2-40B4-BE49-F238E27FC236}">
+                <a16:creationId xmlns:a16="http://schemas.microsoft.com/office/drawing/2014/main" id="{C4EB3CA0-7C43-4CF3-90DD-980E84A5474F}"/>
+              </a:ext>
+            </a:extLst>
+          </p:cNvPr>
+          <p:cNvSpPr/>
+          <p:nvPr/>
+        </p:nvSpPr>
+        <p:spPr>
+          <a:xfrm>
+            <a:off x="3178339" y="3689178"/>
+            <a:ext cx="635381" cy="261610"/>
+          </a:xfrm>
+          <a:prstGeom prst="rect">
+            <a:avLst/>
+          </a:prstGeom>
+        </p:spPr>
+        <p:txBody>
+          <a:bodyPr wrap="square">
+            <a:spAutoFit/>
+          </a:bodyPr>
+          <a:lstStyle/>
+          <a:p>
+            <a:pPr algn="ctr"/>
+            <a:r>
+              <a:rPr lang="ko-KR" altLang="en-US" sz="1100" b="1" dirty="0" smtClean="0">
+                <a:solidFill>
+                  <a:schemeClr val="bg1"/>
+                </a:solidFill>
+              </a:rPr>
+              <a:t>계정</a:t>
+            </a:r>
+            <a:endParaRPr lang="en-US" altLang="ko-KR" sz="1100" b="1" dirty="0">
+              <a:solidFill>
+                <a:schemeClr val="bg1"/>
+              </a:solidFill>
+            </a:endParaRPr>
+          </a:p>
+        </p:txBody>
+      </p:sp>
+      <p:cxnSp>
+        <p:nvCxnSpPr>
+          <p:cNvPr id="72" name="직선 화살표 연결선 71">
+            <a:extLst>
+              <a:ext uri="{FF2B5EF4-FFF2-40B4-BE49-F238E27FC236}">
+                <a16:creationId xmlns:a16="http://schemas.microsoft.com/office/drawing/2014/main" id="{A2DBE3E6-1FA0-4710-BDF0-DA4D31A2A758}"/>
+              </a:ext>
+            </a:extLst>
+          </p:cNvPr>
+          <p:cNvCxnSpPr>
+            <a:stCxn id="70" idx="2"/>
+          </p:cNvCxnSpPr>
+          <p:nvPr/>
+        </p:nvCxnSpPr>
+        <p:spPr>
+          <a:xfrm>
+            <a:off x="3509899" y="4146483"/>
+            <a:ext cx="0" cy="580768"/>
+          </a:xfrm>
+          <a:prstGeom prst="straightConnector1">
+            <a:avLst/>
+          </a:prstGeom>
+          <a:ln>
+            <a:solidFill>
+              <a:schemeClr val="tx1"/>
+            </a:solidFill>
+            <a:tailEnd type="triangle"/>
+          </a:ln>
+        </p:spPr>
+        <p:style>
+          <a:lnRef idx="1">
+            <a:schemeClr val="accent1"/>
+          </a:lnRef>
+          <a:fillRef idx="0">
+            <a:schemeClr val="accent1"/>
+          </a:fillRef>
+          <a:effectRef idx="0">
+            <a:schemeClr val="accent1"/>
+          </a:effectRef>
+          <a:fontRef idx="minor">
+            <a:schemeClr val="tx1"/>
+          </a:fontRef>
+        </p:style>
+      </p:cxnSp>
+      <p:cxnSp>
+        <p:nvCxnSpPr>
+          <p:cNvPr id="73" name="직선 화살표 연결선 72">
+            <a:extLst>
+              <a:ext uri="{FF2B5EF4-FFF2-40B4-BE49-F238E27FC236}">
+                <a16:creationId xmlns:a16="http://schemas.microsoft.com/office/drawing/2014/main" id="{92DBD7B0-C2DE-4917-B8B9-5818E645AFF7}"/>
+              </a:ext>
+            </a:extLst>
+          </p:cNvPr>
+          <p:cNvCxnSpPr/>
+          <p:nvPr/>
+        </p:nvCxnSpPr>
+        <p:spPr>
+          <a:xfrm flipH="1">
+            <a:off x="3509898" y="2940391"/>
+            <a:ext cx="1" cy="367456"/>
+          </a:xfrm>
+          <a:prstGeom prst="straightConnector1">
+            <a:avLst/>
+          </a:prstGeom>
+          <a:ln>
+            <a:solidFill>
+              <a:schemeClr val="tx1"/>
+            </a:solidFill>
+            <a:tailEnd type="triangle"/>
+          </a:ln>
+        </p:spPr>
+        <p:style>
+          <a:lnRef idx="1">
+            <a:schemeClr val="accent1"/>
+          </a:lnRef>
+          <a:fillRef idx="0">
+            <a:schemeClr val="accent1"/>
+          </a:fillRef>
+          <a:effectRef idx="0">
+            <a:schemeClr val="accent1"/>
+          </a:effectRef>
+          <a:fontRef idx="minor">
+            <a:schemeClr val="tx1"/>
+          </a:fontRef>
+        </p:style>
+      </p:cxnSp>
+      <p:sp>
+        <p:nvSpPr>
+          <p:cNvPr id="74" name="직사각형 73">
+            <a:extLst>
+              <a:ext uri="{FF2B5EF4-FFF2-40B4-BE49-F238E27FC236}">
+                <a16:creationId xmlns:a16="http://schemas.microsoft.com/office/drawing/2014/main" id="{B7000EB6-1A6A-4621-80A0-1F65AAF10BFD}"/>
+              </a:ext>
+            </a:extLst>
+          </p:cNvPr>
+          <p:cNvSpPr/>
+          <p:nvPr/>
+        </p:nvSpPr>
+        <p:spPr>
+          <a:xfrm>
+            <a:off x="2969146" y="4814194"/>
+            <a:ext cx="1076325" cy="496765"/>
+          </a:xfrm>
+          <a:prstGeom prst="rect">
+            <a:avLst/>
+          </a:prstGeom>
+          <a:solidFill>
+            <a:schemeClr val="bg1">
+              <a:lumMod val="85000"/>
+            </a:schemeClr>
+          </a:solidFill>
+          <a:ln w="19050">
+            <a:noFill/>
+          </a:ln>
+        </p:spPr>
+        <p:style>
+          <a:lnRef idx="2">
+            <a:schemeClr val="accent1">
+              <a:shade val="50000"/>
+            </a:schemeClr>
+          </a:lnRef>
+          <a:fillRef idx="1">
+            <a:schemeClr val="accent1"/>
+          </a:fillRef>
+          <a:effectRef idx="0">
+            <a:schemeClr val="accent1"/>
+          </a:effectRef>
+          <a:fontRef idx="minor">
+            <a:schemeClr val="lt1"/>
+          </a:fontRef>
+        </p:style>
+        <p:txBody>
+          <a:bodyPr rtlCol="0" anchor="ctr"/>
+          <a:lstStyle/>
+          <a:p>
+            <a:pPr algn="ctr"/>
+            <a:endParaRPr lang="ko-KR" altLang="en-US" sz="1100" b="1"/>
+          </a:p>
+        </p:txBody>
+      </p:sp>
+      <p:sp>
+        <p:nvSpPr>
+          <p:cNvPr id="75" name="직사각형 74">
+            <a:extLst>
+              <a:ext uri="{FF2B5EF4-FFF2-40B4-BE49-F238E27FC236}">
+                <a16:creationId xmlns:a16="http://schemas.microsoft.com/office/drawing/2014/main" id="{08068298-0C93-4ACF-8C6E-E1604025D0EB}"/>
+              </a:ext>
+            </a:extLst>
+          </p:cNvPr>
+          <p:cNvSpPr/>
+          <p:nvPr/>
+        </p:nvSpPr>
+        <p:spPr>
+          <a:xfrm>
+            <a:off x="3105736" y="4924633"/>
+            <a:ext cx="802588" cy="261610"/>
+          </a:xfrm>
+          <a:prstGeom prst="rect">
+            <a:avLst/>
+          </a:prstGeom>
+        </p:spPr>
+        <p:txBody>
+          <a:bodyPr wrap="square">
+            <a:spAutoFit/>
+          </a:bodyPr>
+          <a:lstStyle/>
+          <a:p>
+            <a:pPr algn="ctr"/>
+            <a:r>
+              <a:rPr lang="ko-KR" altLang="en-US" sz="1100" b="1" dirty="0"/>
+              <a:t>회원가입</a:t>
+            </a:r>
+          </a:p>
+        </p:txBody>
+      </p:sp>
+      <p:cxnSp>
+        <p:nvCxnSpPr>
+          <p:cNvPr id="6" name="직선 화살표 연결선 5"/>
+          <p:cNvCxnSpPr>
+            <a:stCxn id="9" idx="3"/>
+          </p:cNvCxnSpPr>
+          <p:nvPr/>
+        </p:nvCxnSpPr>
+        <p:spPr>
+          <a:xfrm>
+            <a:off x="2560332" y="2679708"/>
+            <a:ext cx="307911" cy="0"/>
+          </a:xfrm>
+          <a:prstGeom prst="straightConnector1">
+            <a:avLst/>
+          </a:prstGeom>
+          <a:ln>
+            <a:solidFill>
+              <a:schemeClr val="tx1"/>
+            </a:solidFill>
+            <a:tailEnd type="triangle"/>
+          </a:ln>
+        </p:spPr>
+        <p:style>
+          <a:lnRef idx="1">
+            <a:schemeClr val="accent1"/>
+          </a:lnRef>
+          <a:fillRef idx="0">
+            <a:schemeClr val="accent1"/>
+          </a:fillRef>
+          <a:effectRef idx="0">
+            <a:schemeClr val="accent1"/>
+          </a:effectRef>
+          <a:fontRef idx="minor">
+            <a:schemeClr val="tx1"/>
+          </a:fontRef>
+        </p:style>
+      </p:cxnSp>
+      <p:cxnSp>
+        <p:nvCxnSpPr>
+          <p:cNvPr id="79" name="직선 화살표 연결선 78"/>
+          <p:cNvCxnSpPr/>
+          <p:nvPr/>
+        </p:nvCxnSpPr>
+        <p:spPr>
+          <a:xfrm>
+            <a:off x="4040951" y="2679708"/>
+            <a:ext cx="307911" cy="0"/>
+          </a:xfrm>
+          <a:prstGeom prst="straightConnector1">
+            <a:avLst/>
+          </a:prstGeom>
+          <a:ln>
+            <a:solidFill>
+              <a:schemeClr val="tx1"/>
+            </a:solidFill>
+            <a:tailEnd type="triangle"/>
+          </a:ln>
+        </p:spPr>
+        <p:style>
+          <a:lnRef idx="1">
+            <a:schemeClr val="accent1"/>
+          </a:lnRef>
+          <a:fillRef idx="0">
+            <a:schemeClr val="accent1"/>
+          </a:fillRef>
+          <a:effectRef idx="0">
+            <a:schemeClr val="accent1"/>
+          </a:effectRef>
+          <a:fontRef idx="minor">
+            <a:schemeClr val="tx1"/>
+          </a:fontRef>
+        </p:style>
+      </p:cxnSp>
+      <p:cxnSp>
+        <p:nvCxnSpPr>
+          <p:cNvPr id="80" name="직선 화살표 연결선 79"/>
+          <p:cNvCxnSpPr/>
+          <p:nvPr/>
+        </p:nvCxnSpPr>
+        <p:spPr>
+          <a:xfrm>
+            <a:off x="5704049" y="2679708"/>
+            <a:ext cx="307911" cy="0"/>
+          </a:xfrm>
+          <a:prstGeom prst="straightConnector1">
+            <a:avLst/>
+          </a:prstGeom>
+          <a:ln>
+            <a:solidFill>
+              <a:schemeClr val="tx1"/>
+            </a:solidFill>
+            <a:tailEnd type="triangle"/>
+          </a:ln>
+        </p:spPr>
+        <p:style>
+          <a:lnRef idx="1">
+            <a:schemeClr val="accent1"/>
+          </a:lnRef>
+          <a:fillRef idx="0">
+            <a:schemeClr val="accent1"/>
+          </a:fillRef>
+          <a:effectRef idx="0">
+            <a:schemeClr val="accent1"/>
+          </a:effectRef>
+          <a:fontRef idx="minor">
+            <a:schemeClr val="tx1"/>
+          </a:fontRef>
+        </p:style>
+      </p:cxnSp>
+      <p:cxnSp>
+        <p:nvCxnSpPr>
+          <p:cNvPr id="81" name="직선 화살표 연결선 80"/>
+          <p:cNvCxnSpPr/>
+          <p:nvPr/>
+        </p:nvCxnSpPr>
+        <p:spPr>
+          <a:xfrm>
+            <a:off x="7362627" y="2679708"/>
+            <a:ext cx="307911" cy="0"/>
+          </a:xfrm>
+          <a:prstGeom prst="straightConnector1">
+            <a:avLst/>
+          </a:prstGeom>
+          <a:ln>
+            <a:solidFill>
+              <a:schemeClr val="tx1"/>
+            </a:solidFill>
+            <a:tailEnd type="triangle"/>
+          </a:ln>
+        </p:spPr>
+        <p:style>
+          <a:lnRef idx="1">
+            <a:schemeClr val="accent1"/>
+          </a:lnRef>
+          <a:fillRef idx="0">
+            <a:schemeClr val="accent1"/>
+          </a:fillRef>
+          <a:effectRef idx="0">
+            <a:schemeClr val="accent1"/>
+          </a:effectRef>
+          <a:fontRef idx="minor">
+            <a:schemeClr val="tx1"/>
+          </a:fontRef>
+        </p:style>
+      </p:cxnSp>
+      <p:cxnSp>
+        <p:nvCxnSpPr>
+          <p:cNvPr id="82" name="직선 화살표 연결선 81"/>
+          <p:cNvCxnSpPr/>
+          <p:nvPr/>
+        </p:nvCxnSpPr>
+        <p:spPr>
+          <a:xfrm>
+            <a:off x="9021205" y="2679708"/>
+            <a:ext cx="307911" cy="0"/>
+          </a:xfrm>
+          <a:prstGeom prst="straightConnector1">
+            <a:avLst/>
+          </a:prstGeom>
+          <a:ln>
+            <a:solidFill>
+              <a:schemeClr val="tx1"/>
+            </a:solidFill>
+            <a:tailEnd type="triangle"/>
+          </a:ln>
+        </p:spPr>
+        <p:style>
+          <a:lnRef idx="1">
+            <a:schemeClr val="accent1"/>
+          </a:lnRef>
+          <a:fillRef idx="0">
+            <a:schemeClr val="accent1"/>
+          </a:fillRef>
+          <a:effectRef idx="0">
+            <a:schemeClr val="accent1"/>
+          </a:effectRef>
+          <a:fontRef idx="minor">
+            <a:schemeClr val="tx1"/>
+          </a:fontRef>
+        </p:style>
+      </p:cxnSp>
+      <p:cxnSp>
+        <p:nvCxnSpPr>
+          <p:cNvPr id="25" name="직선 화살표 연결선 24"/>
+          <p:cNvCxnSpPr>
+            <a:endCxn id="65" idx="0"/>
+          </p:cNvCxnSpPr>
+          <p:nvPr/>
+        </p:nvCxnSpPr>
+        <p:spPr>
+          <a:xfrm>
+            <a:off x="6824186" y="2101580"/>
+            <a:ext cx="279" cy="342384"/>
+          </a:xfrm>
+          <a:prstGeom prst="straightConnector1">
+            <a:avLst/>
+          </a:prstGeom>
+          <a:ln>
+            <a:tailEnd type="triangle"/>
+          </a:ln>
+        </p:spPr>
+        <p:style>
+          <a:lnRef idx="1">
+            <a:schemeClr val="accent1"/>
+          </a:lnRef>
+          <a:fillRef idx="0">
+            <a:schemeClr val="accent1"/>
+          </a:fillRef>
+          <a:effectRef idx="0">
+            <a:schemeClr val="accent1"/>
+          </a:effectRef>
+          <a:fontRef idx="minor">
+            <a:schemeClr val="tx1"/>
+          </a:fontRef>
+        </p:style>
+      </p:cxnSp>
+      <p:cxnSp>
+        <p:nvCxnSpPr>
+          <p:cNvPr id="90" name="직선 화살표 연결선 89"/>
+          <p:cNvCxnSpPr/>
+          <p:nvPr/>
+        </p:nvCxnSpPr>
+        <p:spPr>
+          <a:xfrm>
+            <a:off x="5165329" y="2101580"/>
+            <a:ext cx="279" cy="342384"/>
+          </a:xfrm>
+          <a:prstGeom prst="straightConnector1">
+            <a:avLst/>
+          </a:prstGeom>
+          <a:ln>
+            <a:solidFill>
+              <a:schemeClr val="tx1"/>
+            </a:solidFill>
+            <a:tailEnd type="triangle"/>
+          </a:ln>
+        </p:spPr>
+        <p:style>
+          <a:lnRef idx="1">
+            <a:schemeClr val="accent1"/>
+          </a:lnRef>
+          <a:fillRef idx="0">
+            <a:schemeClr val="accent1"/>
+          </a:fillRef>
+          <a:effectRef idx="0">
+            <a:schemeClr val="accent1"/>
+          </a:effectRef>
+          <a:fontRef idx="minor">
+            <a:schemeClr val="tx1"/>
+          </a:fontRef>
+        </p:style>
+      </p:cxnSp>
+      <p:cxnSp>
+        <p:nvCxnSpPr>
+          <p:cNvPr id="91" name="직선 화살표 연결선 90"/>
+          <p:cNvCxnSpPr/>
+          <p:nvPr/>
+        </p:nvCxnSpPr>
+        <p:spPr>
+          <a:xfrm>
+            <a:off x="8482485" y="2101580"/>
+            <a:ext cx="279" cy="342384"/>
+          </a:xfrm>
+          <a:prstGeom prst="straightConnector1">
+            <a:avLst/>
+          </a:prstGeom>
+          <a:ln>
+            <a:solidFill>
+              <a:schemeClr val="tx1"/>
+            </a:solidFill>
+            <a:tailEnd type="triangle"/>
+          </a:ln>
+        </p:spPr>
+        <p:style>
+          <a:lnRef idx="1">
+            <a:schemeClr val="accent1"/>
+          </a:lnRef>
+          <a:fillRef idx="0">
+            <a:schemeClr val="accent1"/>
+          </a:fillRef>
+          <a:effectRef idx="0">
+            <a:schemeClr val="accent1"/>
+          </a:effectRef>
+          <a:fontRef idx="minor">
+            <a:schemeClr val="tx1"/>
+          </a:fontRef>
+        </p:style>
+      </p:cxnSp>
+      <p:cxnSp>
+        <p:nvCxnSpPr>
+          <p:cNvPr id="92" name="직선 화살표 연결선 91"/>
+          <p:cNvCxnSpPr/>
+          <p:nvPr/>
+        </p:nvCxnSpPr>
+        <p:spPr>
+          <a:xfrm>
+            <a:off x="6823628" y="2101580"/>
+            <a:ext cx="279" cy="342384"/>
+          </a:xfrm>
+          <a:prstGeom prst="straightConnector1">
+            <a:avLst/>
+          </a:prstGeom>
+          <a:ln>
+            <a:solidFill>
+              <a:schemeClr val="tx1"/>
+            </a:solidFill>
+            <a:tailEnd type="triangle"/>
+          </a:ln>
+        </p:spPr>
+        <p:style>
+          <a:lnRef idx="1">
+            <a:schemeClr val="accent1"/>
+          </a:lnRef>
+          <a:fillRef idx="0">
+            <a:schemeClr val="accent1"/>
+          </a:fillRef>
+          <a:effectRef idx="0">
+            <a:schemeClr val="accent1"/>
+          </a:effectRef>
+          <a:fontRef idx="minor">
+            <a:schemeClr val="tx1"/>
+          </a:fontRef>
+        </p:style>
+      </p:cxnSp>
+      <p:cxnSp>
+        <p:nvCxnSpPr>
+          <p:cNvPr id="27" name="직선 연결선 26"/>
+          <p:cNvCxnSpPr/>
+          <p:nvPr/>
+        </p:nvCxnSpPr>
+        <p:spPr>
+          <a:xfrm>
+            <a:off x="5165329" y="2101580"/>
+            <a:ext cx="3317156" cy="0"/>
+          </a:xfrm>
+          <a:prstGeom prst="line">
+            <a:avLst/>
+          </a:prstGeom>
+          <a:ln>
+            <a:solidFill>
+              <a:schemeClr val="tx1"/>
+            </a:solidFill>
+          </a:ln>
+        </p:spPr>
+        <p:style>
+          <a:lnRef idx="1">
+            <a:schemeClr val="accent1"/>
+          </a:lnRef>
+          <a:fillRef idx="0">
+            <a:schemeClr val="accent1"/>
+          </a:fillRef>
+          <a:effectRef idx="0">
+            <a:schemeClr val="accent1"/>
+          </a:effectRef>
+          <a:fontRef idx="minor">
+            <a:schemeClr val="tx1"/>
+          </a:fontRef>
+        </p:style>
+      </p:cxnSp>
+      <p:sp>
+        <p:nvSpPr>
+          <p:cNvPr id="95" name="직사각형 94">
+            <a:extLst>
+              <a:ext uri="{FF2B5EF4-FFF2-40B4-BE49-F238E27FC236}">
+                <a16:creationId xmlns:a16="http://schemas.microsoft.com/office/drawing/2014/main" id="{F95A75C2-0027-41E2-B891-F915CE1CCA4A}"/>
+              </a:ext>
+            </a:extLst>
+          </p:cNvPr>
+          <p:cNvSpPr/>
+          <p:nvPr/>
+        </p:nvSpPr>
+        <p:spPr>
+          <a:xfrm>
+            <a:off x="6568792" y="1759197"/>
+            <a:ext cx="509672" cy="261610"/>
+          </a:xfrm>
+          <a:prstGeom prst="rect">
+            <a:avLst/>
+          </a:prstGeom>
+        </p:spPr>
+        <p:txBody>
+          <a:bodyPr wrap="square">
+            <a:spAutoFit/>
+          </a:bodyPr>
+          <a:lstStyle/>
+          <a:p>
+            <a:pPr algn="ctr"/>
+            <a:r>
+              <a:rPr lang="en-US" altLang="ko-KR" sz="1100" b="1" dirty="0">
+                <a:solidFill>
+                  <a:schemeClr val="accent2"/>
+                </a:solidFill>
+              </a:rPr>
+              <a:t>NO</a:t>
+            </a:r>
+            <a:endParaRPr lang="ko-KR" altLang="en-US" sz="1100" b="1" dirty="0">
+              <a:solidFill>
+                <a:schemeClr val="accent2"/>
+              </a:solidFill>
+            </a:endParaRPr>
+          </a:p>
+        </p:txBody>
+      </p:sp>
+      <p:sp>
+        <p:nvSpPr>
+          <p:cNvPr id="96" name="직사각형 95">
+            <a:extLst>
+              <a:ext uri="{FF2B5EF4-FFF2-40B4-BE49-F238E27FC236}">
+                <a16:creationId xmlns:a16="http://schemas.microsoft.com/office/drawing/2014/main" id="{9D8A981C-7CD1-4053-8466-DC85FD658697}"/>
+              </a:ext>
+            </a:extLst>
+          </p:cNvPr>
+          <p:cNvSpPr/>
+          <p:nvPr/>
+        </p:nvSpPr>
+        <p:spPr>
+          <a:xfrm>
+            <a:off x="8899083" y="2388403"/>
+            <a:ext cx="573927" cy="261610"/>
+          </a:xfrm>
+          <a:prstGeom prst="rect">
+            <a:avLst/>
+          </a:prstGeom>
+        </p:spPr>
+        <p:txBody>
+          <a:bodyPr wrap="square">
+            <a:spAutoFit/>
+          </a:bodyPr>
+          <a:lstStyle/>
+          <a:p>
+            <a:pPr algn="ctr"/>
+            <a:r>
+              <a:rPr lang="en-US" altLang="ko-KR" sz="1100" b="1" dirty="0">
+                <a:solidFill>
+                  <a:schemeClr val="accent1"/>
+                </a:solidFill>
+              </a:rPr>
+              <a:t>YES</a:t>
+            </a:r>
+            <a:endParaRPr lang="ko-KR" altLang="en-US" sz="1100" b="1" dirty="0">
+              <a:solidFill>
+                <a:schemeClr val="accent1"/>
+              </a:solidFill>
+            </a:endParaRPr>
+          </a:p>
+        </p:txBody>
+      </p:sp>
+      <p:cxnSp>
+        <p:nvCxnSpPr>
+          <p:cNvPr id="29" name="직선 화살표 연결선 28"/>
+          <p:cNvCxnSpPr/>
+          <p:nvPr/>
+        </p:nvCxnSpPr>
+        <p:spPr>
+          <a:xfrm flipV="1">
+            <a:off x="3940070" y="3032914"/>
+            <a:ext cx="1151168" cy="656264"/>
+          </a:xfrm>
+          <a:prstGeom prst="straightConnector1">
+            <a:avLst/>
+          </a:prstGeom>
+          <a:ln>
+            <a:solidFill>
+              <a:schemeClr val="tx1"/>
+            </a:solidFill>
+            <a:tailEnd type="triangle"/>
+          </a:ln>
+        </p:spPr>
+        <p:style>
+          <a:lnRef idx="1">
+            <a:schemeClr val="accent1"/>
+          </a:lnRef>
+          <a:fillRef idx="0">
+            <a:schemeClr val="accent1"/>
+          </a:fillRef>
+          <a:effectRef idx="0">
+            <a:schemeClr val="accent1"/>
+          </a:effectRef>
+          <a:fontRef idx="minor">
+            <a:schemeClr val="tx1"/>
+          </a:fontRef>
+        </p:style>
+      </p:cxnSp>
+    </p:spTree>
+    <p:extLst>
+      <p:ext uri="{BB962C8B-B14F-4D97-AF65-F5344CB8AC3E}">
+        <p14:creationId xmlns:p14="http://schemas.microsoft.com/office/powerpoint/2010/main" val="548142250"/>
+      </p:ext>
+    </p:extLst>
+  </p:cSld>
+  <p:clrMapOvr>
+    <a:masterClrMapping/>
+  </p:clrMapOvr>
+</p:sld>
+</file>
+
+<file path=ppt/slides/slide9.xml><?xml version="1.0" encoding="utf-8"?>
+<p:sld xmlns:a="http://schemas.openxmlformats.org/drawingml/2006/main" xmlns:r="http://schemas.openxmlformats.org/officeDocument/2006/relationships" xmlns:p="http://schemas.openxmlformats.org/presentationml/2006/main">
+  <p:cSld>
+    <p:spTree>
+      <p:nvGrpSpPr>
+        <p:cNvPr id="1" name=""/>
+        <p:cNvGrpSpPr/>
+        <p:nvPr/>
+      </p:nvGrpSpPr>
+      <p:grpSpPr>
+        <a:xfrm>
+          <a:off x="0" y="0"/>
+          <a:ext cx="0" cy="0"/>
+          <a:chOff x="0" y="0"/>
+          <a:chExt cx="0" cy="0"/>
+        </a:xfrm>
+      </p:grpSpPr>
+      <p:sp>
+        <p:nvSpPr>
+          <p:cNvPr id="50" name="다이아몬드 49">
+            <a:extLst>
+              <a:ext uri="{FF2B5EF4-FFF2-40B4-BE49-F238E27FC236}">
+                <a16:creationId xmlns:a16="http://schemas.microsoft.com/office/drawing/2014/main" id="{FF901B1D-7175-437D-A9A4-BC2E154574D5}"/>
+              </a:ext>
+            </a:extLst>
+          </p:cNvPr>
+          <p:cNvSpPr/>
+          <p:nvPr/>
+        </p:nvSpPr>
+        <p:spPr>
+          <a:xfrm>
+            <a:off x="7567537" y="2480588"/>
+            <a:ext cx="1635995" cy="698351"/>
+          </a:xfrm>
+          <a:prstGeom prst="diamond">
+            <a:avLst/>
+          </a:prstGeom>
+          <a:solidFill>
+            <a:schemeClr val="tx1"/>
+          </a:solidFill>
+          <a:ln w="19050">
+            <a:noFill/>
+          </a:ln>
+        </p:spPr>
+        <p:style>
+          <a:lnRef idx="2">
+            <a:schemeClr val="accent1">
+              <a:shade val="50000"/>
+            </a:schemeClr>
+          </a:lnRef>
+          <a:fillRef idx="1">
+            <a:schemeClr val="accent1"/>
+          </a:fillRef>
+          <a:effectRef idx="0">
+            <a:schemeClr val="accent1"/>
+          </a:effectRef>
+          <a:fontRef idx="minor">
+            <a:schemeClr val="lt1"/>
+          </a:fontRef>
+        </p:style>
+        <p:txBody>
+          <a:bodyPr rtlCol="0" anchor="ctr"/>
+          <a:lstStyle/>
+          <a:p>
+            <a:pPr algn="ctr"/>
+            <a:endParaRPr lang="ko-KR" altLang="en-US" sz="1100" b="1"/>
+          </a:p>
+        </p:txBody>
+      </p:sp>
+      <p:sp>
+        <p:nvSpPr>
+          <p:cNvPr id="9" name="모서리가 둥근 직사각형 2">
+            <a:extLst>
+              <a:ext uri="{FF2B5EF4-FFF2-40B4-BE49-F238E27FC236}">
+                <a16:creationId xmlns:a16="http://schemas.microsoft.com/office/drawing/2014/main" id="{3A211156-50E1-4650-8D04-816357CBA00A}"/>
+              </a:ext>
+            </a:extLst>
+          </p:cNvPr>
+          <p:cNvSpPr/>
+          <p:nvPr/>
+        </p:nvSpPr>
+        <p:spPr>
+          <a:xfrm>
+            <a:off x="1479831" y="1637629"/>
+            <a:ext cx="1038045" cy="521366"/>
+          </a:xfrm>
+          <a:prstGeom prst="roundRect">
+            <a:avLst>
+              <a:gd name="adj" fmla="val 47667"/>
+            </a:avLst>
+          </a:prstGeom>
+          <a:solidFill>
+            <a:schemeClr val="tx1"/>
+          </a:solidFill>
+          <a:ln w="19050">
+            <a:noFill/>
+          </a:ln>
+        </p:spPr>
+        <p:style>
+          <a:lnRef idx="2">
+            <a:schemeClr val="accent1">
+              <a:shade val="50000"/>
+            </a:schemeClr>
+          </a:lnRef>
+          <a:fillRef idx="1">
+            <a:schemeClr val="accent1"/>
+          </a:fillRef>
+          <a:effectRef idx="0">
+            <a:schemeClr val="accent1"/>
+          </a:effectRef>
+          <a:fontRef idx="minor">
+            <a:schemeClr val="lt1"/>
+          </a:fontRef>
+        </p:style>
+        <p:txBody>
+          <a:bodyPr rtlCol="0" anchor="ctr"/>
+          <a:lstStyle/>
+          <a:p>
+            <a:pPr algn="ctr"/>
+            <a:r>
+              <a:rPr lang="ko-KR" altLang="en-US" sz="1100" b="1" dirty="0" smtClean="0">
+                <a:solidFill>
+                  <a:schemeClr val="bg1"/>
+                </a:solidFill>
+              </a:rPr>
+              <a:t>홈 페이지</a:t>
+            </a:r>
+            <a:endParaRPr lang="ko-KR" altLang="en-US" sz="1100" b="1" dirty="0">
+              <a:solidFill>
+                <a:schemeClr val="bg1"/>
+              </a:solidFill>
+            </a:endParaRPr>
+          </a:p>
+        </p:txBody>
+      </p:sp>
+      <p:sp>
+        <p:nvSpPr>
+          <p:cNvPr id="16" name="직사각형 15">
+            <a:extLst>
+              <a:ext uri="{FF2B5EF4-FFF2-40B4-BE49-F238E27FC236}">
+                <a16:creationId xmlns:a16="http://schemas.microsoft.com/office/drawing/2014/main" id="{B7000EB6-1A6A-4621-80A0-1F65AAF10BFD}"/>
+              </a:ext>
+            </a:extLst>
+          </p:cNvPr>
+          <p:cNvSpPr/>
+          <p:nvPr/>
+        </p:nvSpPr>
+        <p:spPr>
+          <a:xfrm>
+            <a:off x="1479831" y="2579085"/>
+            <a:ext cx="1076325" cy="496765"/>
+          </a:xfrm>
+          <a:prstGeom prst="rect">
+            <a:avLst/>
+          </a:prstGeom>
+          <a:solidFill>
+            <a:schemeClr val="bg1">
+              <a:lumMod val="85000"/>
+            </a:schemeClr>
+          </a:solidFill>
+          <a:ln w="19050">
+            <a:noFill/>
+          </a:ln>
+        </p:spPr>
+        <p:style>
+          <a:lnRef idx="2">
+            <a:schemeClr val="accent1">
+              <a:shade val="50000"/>
+            </a:schemeClr>
+          </a:lnRef>
+          <a:fillRef idx="1">
+            <a:schemeClr val="accent1"/>
+          </a:fillRef>
+          <a:effectRef idx="0">
+            <a:schemeClr val="accent1"/>
+          </a:effectRef>
+          <a:fontRef idx="minor">
+            <a:schemeClr val="lt1"/>
+          </a:fontRef>
+        </p:style>
+        <p:txBody>
+          <a:bodyPr rtlCol="0" anchor="ctr"/>
+          <a:lstStyle/>
+          <a:p>
+            <a:pPr algn="ctr"/>
+            <a:endParaRPr lang="ko-KR" altLang="en-US" sz="1100" b="1"/>
+          </a:p>
+        </p:txBody>
+      </p:sp>
+      <p:sp>
+        <p:nvSpPr>
+          <p:cNvPr id="19" name="직사각형 18">
+            <a:extLst>
+              <a:ext uri="{FF2B5EF4-FFF2-40B4-BE49-F238E27FC236}">
+                <a16:creationId xmlns:a16="http://schemas.microsoft.com/office/drawing/2014/main" id="{F95A75C2-0027-41E2-B891-F915CE1CCA4A}"/>
+              </a:ext>
+            </a:extLst>
+          </p:cNvPr>
+          <p:cNvSpPr/>
+          <p:nvPr/>
+        </p:nvSpPr>
+        <p:spPr>
+          <a:xfrm>
+            <a:off x="3002468" y="4133501"/>
+            <a:ext cx="509672" cy="261610"/>
+          </a:xfrm>
+          <a:prstGeom prst="rect">
+            <a:avLst/>
+          </a:prstGeom>
+        </p:spPr>
+        <p:txBody>
+          <a:bodyPr wrap="square">
+            <a:spAutoFit/>
+          </a:bodyPr>
+          <a:lstStyle/>
+          <a:p>
+            <a:pPr algn="ctr"/>
+            <a:r>
+              <a:rPr lang="en-US" altLang="ko-KR" sz="1100" b="1" dirty="0">
+                <a:solidFill>
+                  <a:schemeClr val="accent2"/>
+                </a:solidFill>
+              </a:rPr>
+              <a:t>NO</a:t>
+            </a:r>
+            <a:endParaRPr lang="ko-KR" altLang="en-US" sz="1100" b="1" dirty="0">
+              <a:solidFill>
+                <a:schemeClr val="accent2"/>
+              </a:solidFill>
+            </a:endParaRPr>
+          </a:p>
+        </p:txBody>
+      </p:sp>
+      <p:sp>
+        <p:nvSpPr>
+          <p:cNvPr id="20" name="직사각형 19">
+            <a:extLst>
+              <a:ext uri="{FF2B5EF4-FFF2-40B4-BE49-F238E27FC236}">
+                <a16:creationId xmlns:a16="http://schemas.microsoft.com/office/drawing/2014/main" id="{9D8A981C-7CD1-4053-8466-DC85FD658697}"/>
+              </a:ext>
+            </a:extLst>
+          </p:cNvPr>
+          <p:cNvSpPr/>
+          <p:nvPr/>
+        </p:nvSpPr>
+        <p:spPr>
+          <a:xfrm>
+            <a:off x="4085837" y="3495397"/>
+            <a:ext cx="573927" cy="261610"/>
+          </a:xfrm>
+          <a:prstGeom prst="rect">
+            <a:avLst/>
+          </a:prstGeom>
+        </p:spPr>
+        <p:txBody>
+          <a:bodyPr wrap="square">
+            <a:spAutoFit/>
+          </a:bodyPr>
+          <a:lstStyle/>
+          <a:p>
+            <a:pPr algn="ctr"/>
+            <a:r>
+              <a:rPr lang="en-US" altLang="ko-KR" sz="1100" b="1" dirty="0">
+                <a:solidFill>
+                  <a:schemeClr val="accent1"/>
+                </a:solidFill>
+              </a:rPr>
+              <a:t>YES</a:t>
+            </a:r>
+            <a:endParaRPr lang="ko-KR" altLang="en-US" sz="1100" b="1" dirty="0">
+              <a:solidFill>
+                <a:schemeClr val="accent1"/>
+              </a:solidFill>
+            </a:endParaRPr>
+          </a:p>
+        </p:txBody>
+      </p:sp>
+      <p:sp>
+        <p:nvSpPr>
+          <p:cNvPr id="23" name="직사각형 22">
+            <a:extLst>
+              <a:ext uri="{FF2B5EF4-FFF2-40B4-BE49-F238E27FC236}">
+                <a16:creationId xmlns:a16="http://schemas.microsoft.com/office/drawing/2014/main" id="{08068298-0C93-4ACF-8C6E-E1604025D0EB}"/>
+              </a:ext>
+            </a:extLst>
+          </p:cNvPr>
+          <p:cNvSpPr/>
+          <p:nvPr/>
+        </p:nvSpPr>
+        <p:spPr>
+          <a:xfrm>
+            <a:off x="1616421" y="2689524"/>
+            <a:ext cx="802588" cy="261610"/>
+          </a:xfrm>
+          <a:prstGeom prst="rect">
+            <a:avLst/>
+          </a:prstGeom>
+        </p:spPr>
+        <p:txBody>
+          <a:bodyPr wrap="square">
+            <a:spAutoFit/>
+          </a:bodyPr>
+          <a:lstStyle/>
+          <a:p>
+            <a:pPr algn="ctr"/>
+            <a:r>
+              <a:rPr lang="ko-KR" altLang="en-US" sz="1100" b="1" dirty="0" smtClean="0"/>
+              <a:t>회원가입</a:t>
+            </a:r>
+            <a:endParaRPr lang="ko-KR" altLang="en-US" sz="1100" b="1" dirty="0"/>
+          </a:p>
+        </p:txBody>
+      </p:sp>
+      <p:pic>
+        <p:nvPicPr>
+          <p:cNvPr id="61" name="그림 60"/>
+          <p:cNvPicPr>
+            <a:picLocks noChangeAspect="1"/>
+          </p:cNvPicPr>
+          <p:nvPr/>
+        </p:nvPicPr>
+        <p:blipFill>
+          <a:blip r:embed="rId2">
+            <a:extLst>
+              <a:ext uri="{28A0092B-C50C-407E-A947-70E740481C1C}">
+                <a14:useLocalDpi xmlns:a14="http://schemas.microsoft.com/office/drawing/2010/main" val="0"/>
+              </a:ext>
+            </a:extLst>
+          </a:blip>
+          <a:stretch>
+            <a:fillRect/>
+          </a:stretch>
+        </p:blipFill>
+        <p:spPr>
+          <a:xfrm>
+            <a:off x="306531" y="272817"/>
+            <a:ext cx="2528109" cy="288204"/>
+          </a:xfrm>
+          <a:prstGeom prst="rect">
+            <a:avLst/>
+          </a:prstGeom>
+        </p:spPr>
+      </p:pic>
+      <p:sp>
+        <p:nvSpPr>
+          <p:cNvPr id="62" name="TextBox 61"/>
+          <p:cNvSpPr txBox="1"/>
+          <p:nvPr/>
+        </p:nvSpPr>
+        <p:spPr>
+          <a:xfrm>
+            <a:off x="174567" y="706551"/>
+            <a:ext cx="2526654" cy="307777"/>
+          </a:xfrm>
+          <a:prstGeom prst="rect">
+            <a:avLst/>
+          </a:prstGeom>
+          <a:noFill/>
+        </p:spPr>
+        <p:txBody>
+          <a:bodyPr wrap="none" rtlCol="0">
+            <a:spAutoFit/>
+          </a:bodyPr>
+          <a:lstStyle/>
+          <a:p>
+            <a:r>
+              <a:rPr lang="ko-KR" altLang="en-US" sz="1400" dirty="0" smtClean="0"/>
+              <a:t>회원가입 페이지 </a:t>
+            </a:r>
+            <a:r>
+              <a:rPr lang="ko-KR" altLang="en-US" sz="1400" dirty="0" err="1" smtClean="0"/>
+              <a:t>플로우</a:t>
+            </a:r>
+            <a:r>
+              <a:rPr lang="ko-KR" altLang="en-US" sz="1400" dirty="0" smtClean="0"/>
+              <a:t> 차트</a:t>
+            </a:r>
+            <a:endParaRPr lang="ko-KR" altLang="en-US" sz="1400" dirty="0"/>
+          </a:p>
+        </p:txBody>
+      </p:sp>
+      <p:sp>
+        <p:nvSpPr>
+          <p:cNvPr id="63" name="직사각형 62">
+            <a:extLst>
+              <a:ext uri="{FF2B5EF4-FFF2-40B4-BE49-F238E27FC236}">
+                <a16:creationId xmlns:a16="http://schemas.microsoft.com/office/drawing/2014/main" id="{B7000EB6-1A6A-4621-80A0-1F65AAF10BFD}"/>
+              </a:ext>
+            </a:extLst>
+          </p:cNvPr>
+          <p:cNvSpPr/>
+          <p:nvPr/>
+        </p:nvSpPr>
+        <p:spPr>
+          <a:xfrm>
+            <a:off x="1437894" y="3576206"/>
+            <a:ext cx="1076325" cy="496765"/>
+          </a:xfrm>
+          <a:prstGeom prst="rect">
+            <a:avLst/>
+          </a:prstGeom>
+          <a:solidFill>
+            <a:schemeClr val="bg1">
+              <a:lumMod val="85000"/>
+            </a:schemeClr>
+          </a:solidFill>
+          <a:ln w="19050">
+            <a:noFill/>
+          </a:ln>
+        </p:spPr>
+        <p:style>
+          <a:lnRef idx="2">
+            <a:schemeClr val="accent1">
+              <a:shade val="50000"/>
+            </a:schemeClr>
+          </a:lnRef>
+          <a:fillRef idx="1">
+            <a:schemeClr val="accent1"/>
+          </a:fillRef>
+          <a:effectRef idx="0">
+            <a:schemeClr val="accent1"/>
+          </a:effectRef>
+          <a:fontRef idx="minor">
+            <a:schemeClr val="lt1"/>
+          </a:fontRef>
+        </p:style>
+        <p:txBody>
+          <a:bodyPr rtlCol="0" anchor="ctr"/>
+          <a:lstStyle/>
+          <a:p>
+            <a:pPr algn="ctr"/>
+            <a:endParaRPr lang="ko-KR" altLang="en-US" sz="1100" b="1"/>
+          </a:p>
+        </p:txBody>
+      </p:sp>
+      <p:sp>
+        <p:nvSpPr>
+          <p:cNvPr id="64" name="직사각형 63">
+            <a:extLst>
+              <a:ext uri="{FF2B5EF4-FFF2-40B4-BE49-F238E27FC236}">
+                <a16:creationId xmlns:a16="http://schemas.microsoft.com/office/drawing/2014/main" id="{08068298-0C93-4ACF-8C6E-E1604025D0EB}"/>
+              </a:ext>
+            </a:extLst>
+          </p:cNvPr>
+          <p:cNvSpPr/>
+          <p:nvPr/>
+        </p:nvSpPr>
+        <p:spPr>
+          <a:xfrm>
+            <a:off x="1574484" y="3686645"/>
+            <a:ext cx="802588" cy="261610"/>
+          </a:xfrm>
+          <a:prstGeom prst="rect">
+            <a:avLst/>
+          </a:prstGeom>
+        </p:spPr>
+        <p:txBody>
+          <a:bodyPr wrap="square">
+            <a:spAutoFit/>
+          </a:bodyPr>
+          <a:lstStyle/>
+          <a:p>
+            <a:pPr algn="ctr"/>
+            <a:r>
+              <a:rPr lang="en-US" altLang="ko-KR" sz="1100" b="1" dirty="0" smtClean="0"/>
+              <a:t>ID </a:t>
+            </a:r>
+            <a:r>
+              <a:rPr lang="ko-KR" altLang="en-US" sz="1100" b="1" dirty="0" smtClean="0"/>
+              <a:t>입력</a:t>
+            </a:r>
+            <a:endParaRPr lang="ko-KR" altLang="en-US" sz="1100" b="1" dirty="0"/>
+          </a:p>
+        </p:txBody>
+      </p:sp>
+      <p:sp>
+        <p:nvSpPr>
+          <p:cNvPr id="65" name="직사각형 64">
+            <a:extLst>
+              <a:ext uri="{FF2B5EF4-FFF2-40B4-BE49-F238E27FC236}">
+                <a16:creationId xmlns:a16="http://schemas.microsoft.com/office/drawing/2014/main" id="{B7000EB6-1A6A-4621-80A0-1F65AAF10BFD}"/>
+              </a:ext>
+            </a:extLst>
+          </p:cNvPr>
+          <p:cNvSpPr/>
+          <p:nvPr/>
+        </p:nvSpPr>
+        <p:spPr>
+          <a:xfrm>
+            <a:off x="4565248" y="2572330"/>
+            <a:ext cx="1076325" cy="496765"/>
+          </a:xfrm>
+          <a:prstGeom prst="rect">
+            <a:avLst/>
+          </a:prstGeom>
+          <a:solidFill>
+            <a:schemeClr val="bg1">
+              <a:lumMod val="85000"/>
+            </a:schemeClr>
+          </a:solidFill>
+          <a:ln w="19050">
+            <a:noFill/>
+          </a:ln>
+        </p:spPr>
+        <p:style>
+          <a:lnRef idx="2">
+            <a:schemeClr val="accent1">
+              <a:shade val="50000"/>
+            </a:schemeClr>
+          </a:lnRef>
+          <a:fillRef idx="1">
+            <a:schemeClr val="accent1"/>
+          </a:fillRef>
+          <a:effectRef idx="0">
+            <a:schemeClr val="accent1"/>
+          </a:effectRef>
+          <a:fontRef idx="minor">
+            <a:schemeClr val="lt1"/>
+          </a:fontRef>
+        </p:style>
+        <p:txBody>
+          <a:bodyPr rtlCol="0" anchor="ctr"/>
+          <a:lstStyle/>
+          <a:p>
+            <a:pPr algn="ctr"/>
+            <a:endParaRPr lang="ko-KR" altLang="en-US" sz="1100" b="1"/>
+          </a:p>
+        </p:txBody>
+      </p:sp>
+      <p:sp>
+        <p:nvSpPr>
+          <p:cNvPr id="66" name="직사각형 65">
+            <a:extLst>
+              <a:ext uri="{FF2B5EF4-FFF2-40B4-BE49-F238E27FC236}">
+                <a16:creationId xmlns:a16="http://schemas.microsoft.com/office/drawing/2014/main" id="{08068298-0C93-4ACF-8C6E-E1604025D0EB}"/>
+              </a:ext>
+            </a:extLst>
+          </p:cNvPr>
+          <p:cNvSpPr/>
+          <p:nvPr/>
+        </p:nvSpPr>
+        <p:spPr>
+          <a:xfrm>
+            <a:off x="4701838" y="2682769"/>
+            <a:ext cx="802588" cy="261610"/>
+          </a:xfrm>
+          <a:prstGeom prst="rect">
+            <a:avLst/>
+          </a:prstGeom>
+        </p:spPr>
+        <p:txBody>
+          <a:bodyPr wrap="square">
+            <a:spAutoFit/>
+          </a:bodyPr>
+          <a:lstStyle/>
+          <a:p>
+            <a:pPr algn="ctr"/>
+            <a:r>
+              <a:rPr lang="en-US" altLang="ko-KR" sz="1100" b="1" dirty="0" smtClean="0"/>
+              <a:t>PW </a:t>
+            </a:r>
+            <a:r>
+              <a:rPr lang="ko-KR" altLang="en-US" sz="1100" b="1" dirty="0" smtClean="0"/>
+              <a:t>입력</a:t>
+            </a:r>
+            <a:endParaRPr lang="ko-KR" altLang="en-US" sz="1100" b="1" dirty="0"/>
+          </a:p>
+        </p:txBody>
+      </p:sp>
+      <p:sp>
+        <p:nvSpPr>
+          <p:cNvPr id="68" name="직사각형 67">
+            <a:extLst>
+              <a:ext uri="{FF2B5EF4-FFF2-40B4-BE49-F238E27FC236}">
+                <a16:creationId xmlns:a16="http://schemas.microsoft.com/office/drawing/2014/main" id="{08068298-0C93-4ACF-8C6E-E1604025D0EB}"/>
+              </a:ext>
+            </a:extLst>
+          </p:cNvPr>
+          <p:cNvSpPr/>
+          <p:nvPr/>
+        </p:nvSpPr>
+        <p:spPr>
+          <a:xfrm>
             <a:off x="7795378" y="2651375"/>
             <a:ext cx="1202572" cy="369332"/>
           </a:xfrm>
@@ -7491,15 +8486,7 @@
                   <a:schemeClr val="bg1"/>
                 </a:solidFill>
               </a:rPr>
-              <a:t>값</a:t>
-            </a:r>
-            <a:r>
-              <a:rPr lang="ko-KR" altLang="en-US" sz="900" b="1" dirty="0" err="1" smtClean="0">
-                <a:solidFill>
-                  <a:schemeClr val="bg1"/>
-                </a:solidFill>
-              </a:rPr>
-              <a:t>중복</a:t>
+              <a:t>값중복</a:t>
             </a:r>
             <a:r>
               <a:rPr lang="ko-KR" altLang="en-US" sz="900" b="1" dirty="0" smtClean="0">
@@ -7507,15 +8494,7 @@
                   <a:schemeClr val="bg1"/>
                 </a:solidFill>
               </a:rPr>
-              <a:t> </a:t>
-            </a:r>
-            <a:r>
-              <a:rPr lang="ko-KR" altLang="en-US" sz="900" b="1" dirty="0" smtClean="0">
-                <a:solidFill>
-                  <a:schemeClr val="bg1"/>
-                </a:solidFill>
-              </a:rPr>
-              <a:t>확인 여부</a:t>
+              <a:t> 확인 여부</a:t>
             </a:r>
             <a:endParaRPr lang="ko-KR" altLang="en-US" sz="900" b="1" dirty="0">
               <a:solidFill>
